--- a/Unit 5/Assignment 1/Unit 5 presentation for P1,2,3,M1.pptx
+++ b/Unit 5/Assignment 1/Unit 5 presentation for P1,2,3,M1.pptx
@@ -5,10 +5,10 @@
     <p:sldMasterId id="2147483660" r:id="rId1"/>
   </p:sldMasterIdLst>
   <p:notesMasterIdLst>
-    <p:notesMasterId r:id="rId42"/>
+    <p:notesMasterId r:id="rId44"/>
   </p:notesMasterIdLst>
   <p:handoutMasterIdLst>
-    <p:handoutMasterId r:id="rId43"/>
+    <p:handoutMasterId r:id="rId45"/>
   </p:handoutMasterIdLst>
   <p:sldIdLst>
     <p:sldId id="256" r:id="rId2"/>
@@ -48,9 +48,11 @@
     <p:sldId id="293" r:id="rId36"/>
     <p:sldId id="294" r:id="rId37"/>
     <p:sldId id="296" r:id="rId38"/>
-    <p:sldId id="297" r:id="rId39"/>
-    <p:sldId id="295" r:id="rId40"/>
-    <p:sldId id="260" r:id="rId41"/>
+    <p:sldId id="298" r:id="rId39"/>
+    <p:sldId id="297" r:id="rId40"/>
+    <p:sldId id="299" r:id="rId41"/>
+    <p:sldId id="295" r:id="rId42"/>
+    <p:sldId id="260" r:id="rId43"/>
   </p:sldIdLst>
   <p:sldSz cx="12192000" cy="6858000"/>
   <p:notesSz cx="6669088" cy="9872663"/>
@@ -239,7 +241,7 @@
           <a:p>
             <a:fld id="{D6FC233C-6037-41E6-9014-241DB677C779}" type="datetimeFigureOut">
               <a:rPr lang="en-GB" smtClean="0"/>
-              <a:t>22/03/2016</a:t>
+              <a:t>26/04/2016</a:t>
             </a:fld>
             <a:endParaRPr lang="en-GB"/>
           </a:p>
@@ -404,7 +406,7 @@
           <a:p>
             <a:fld id="{DB72E991-647A-400D-8A4B-1B6EAA805460}" type="datetimeFigureOut">
               <a:rPr lang="en-GB" smtClean="0"/>
-              <a:t>22/03/2016</a:t>
+              <a:t>26/04/2016</a:t>
             </a:fld>
             <a:endParaRPr lang="en-GB"/>
           </a:p>
@@ -1224,7 +1226,7 @@
           <a:p>
             <a:fld id="{850E182C-5F22-467F-B4E6-325912CEF02D}" type="datetimeFigureOut">
               <a:rPr lang="en-GB" smtClean="0"/>
-              <a:t>22/03/2016</a:t>
+              <a:t>26/04/2016</a:t>
             </a:fld>
             <a:endParaRPr lang="en-GB"/>
           </a:p>
@@ -1499,7 +1501,7 @@
           <a:p>
             <a:fld id="{850E182C-5F22-467F-B4E6-325912CEF02D}" type="datetimeFigureOut">
               <a:rPr lang="en-GB" smtClean="0"/>
-              <a:t>22/03/2016</a:t>
+              <a:t>26/04/2016</a:t>
             </a:fld>
             <a:endParaRPr lang="en-GB"/>
           </a:p>
@@ -1693,7 +1695,7 @@
           <a:p>
             <a:fld id="{850E182C-5F22-467F-B4E6-325912CEF02D}" type="datetimeFigureOut">
               <a:rPr lang="en-GB" smtClean="0"/>
-              <a:t>22/03/2016</a:t>
+              <a:t>26/04/2016</a:t>
             </a:fld>
             <a:endParaRPr lang="en-GB"/>
           </a:p>
@@ -1966,7 +1968,7 @@
           <a:p>
             <a:fld id="{850E182C-5F22-467F-B4E6-325912CEF02D}" type="datetimeFigureOut">
               <a:rPr lang="en-GB" smtClean="0"/>
-              <a:t>22/03/2016</a:t>
+              <a:t>26/04/2016</a:t>
             </a:fld>
             <a:endParaRPr lang="en-GB"/>
           </a:p>
@@ -2307,7 +2309,7 @@
           <a:p>
             <a:fld id="{850E182C-5F22-467F-B4E6-325912CEF02D}" type="datetimeFigureOut">
               <a:rPr lang="en-GB" smtClean="0"/>
-              <a:t>22/03/2016</a:t>
+              <a:t>26/04/2016</a:t>
             </a:fld>
             <a:endParaRPr lang="en-GB"/>
           </a:p>
@@ -2930,7 +2932,7 @@
           <a:p>
             <a:fld id="{850E182C-5F22-467F-B4E6-325912CEF02D}" type="datetimeFigureOut">
               <a:rPr lang="en-GB" smtClean="0"/>
-              <a:t>22/03/2016</a:t>
+              <a:t>26/04/2016</a:t>
             </a:fld>
             <a:endParaRPr lang="en-GB"/>
           </a:p>
@@ -3790,7 +3792,7 @@
           <a:p>
             <a:fld id="{850E182C-5F22-467F-B4E6-325912CEF02D}" type="datetimeFigureOut">
               <a:rPr lang="en-GB" smtClean="0"/>
-              <a:t>22/03/2016</a:t>
+              <a:t>26/04/2016</a:t>
             </a:fld>
             <a:endParaRPr lang="en-GB"/>
           </a:p>
@@ -3960,7 +3962,7 @@
           <a:p>
             <a:fld id="{850E182C-5F22-467F-B4E6-325912CEF02D}" type="datetimeFigureOut">
               <a:rPr lang="en-GB" smtClean="0"/>
-              <a:t>22/03/2016</a:t>
+              <a:t>26/04/2016</a:t>
             </a:fld>
             <a:endParaRPr lang="en-GB"/>
           </a:p>
@@ -4140,7 +4142,7 @@
           <a:p>
             <a:fld id="{850E182C-5F22-467F-B4E6-325912CEF02D}" type="datetimeFigureOut">
               <a:rPr lang="en-GB" smtClean="0"/>
-              <a:t>22/03/2016</a:t>
+              <a:t>26/04/2016</a:t>
             </a:fld>
             <a:endParaRPr lang="en-GB"/>
           </a:p>
@@ -4310,7 +4312,7 @@
           <a:p>
             <a:fld id="{850E182C-5F22-467F-B4E6-325912CEF02D}" type="datetimeFigureOut">
               <a:rPr lang="en-GB" smtClean="0"/>
-              <a:t>22/03/2016</a:t>
+              <a:t>26/04/2016</a:t>
             </a:fld>
             <a:endParaRPr lang="en-GB"/>
           </a:p>
@@ -4557,7 +4559,7 @@
           <a:p>
             <a:fld id="{850E182C-5F22-467F-B4E6-325912CEF02D}" type="datetimeFigureOut">
               <a:rPr lang="en-GB" smtClean="0"/>
-              <a:t>22/03/2016</a:t>
+              <a:t>26/04/2016</a:t>
             </a:fld>
             <a:endParaRPr lang="en-GB"/>
           </a:p>
@@ -4849,7 +4851,7 @@
           <a:p>
             <a:fld id="{850E182C-5F22-467F-B4E6-325912CEF02D}" type="datetimeFigureOut">
               <a:rPr lang="en-GB" smtClean="0"/>
-              <a:t>22/03/2016</a:t>
+              <a:t>26/04/2016</a:t>
             </a:fld>
             <a:endParaRPr lang="en-GB"/>
           </a:p>
@@ -5293,7 +5295,7 @@
           <a:p>
             <a:fld id="{850E182C-5F22-467F-B4E6-325912CEF02D}" type="datetimeFigureOut">
               <a:rPr lang="en-GB" smtClean="0"/>
-              <a:t>22/03/2016</a:t>
+              <a:t>26/04/2016</a:t>
             </a:fld>
             <a:endParaRPr lang="en-GB"/>
           </a:p>
@@ -5411,7 +5413,7 @@
           <a:p>
             <a:fld id="{850E182C-5F22-467F-B4E6-325912CEF02D}" type="datetimeFigureOut">
               <a:rPr lang="en-GB" smtClean="0"/>
-              <a:t>22/03/2016</a:t>
+              <a:t>26/04/2016</a:t>
             </a:fld>
             <a:endParaRPr lang="en-GB"/>
           </a:p>
@@ -5506,7 +5508,7 @@
           <a:p>
             <a:fld id="{850E182C-5F22-467F-B4E6-325912CEF02D}" type="datetimeFigureOut">
               <a:rPr lang="en-GB" smtClean="0"/>
-              <a:t>22/03/2016</a:t>
+              <a:t>26/04/2016</a:t>
             </a:fld>
             <a:endParaRPr lang="en-GB"/>
           </a:p>
@@ -5785,7 +5787,7 @@
           <a:p>
             <a:fld id="{850E182C-5F22-467F-B4E6-325912CEF02D}" type="datetimeFigureOut">
               <a:rPr lang="en-GB" smtClean="0"/>
-              <a:t>22/03/2016</a:t>
+              <a:t>26/04/2016</a:t>
             </a:fld>
             <a:endParaRPr lang="en-GB"/>
           </a:p>
@@ -6060,7 +6062,7 @@
           <a:p>
             <a:fld id="{850E182C-5F22-467F-B4E6-325912CEF02D}" type="datetimeFigureOut">
               <a:rPr lang="en-GB" smtClean="0"/>
-              <a:t>22/03/2016</a:t>
+              <a:t>26/04/2016</a:t>
             </a:fld>
             <a:endParaRPr lang="en-GB"/>
           </a:p>
@@ -6489,7 +6491,7 @@
           <a:p>
             <a:fld id="{850E182C-5F22-467F-B4E6-325912CEF02D}" type="datetimeFigureOut">
               <a:rPr lang="en-GB" smtClean="0"/>
-              <a:t>22/03/2016</a:t>
+              <a:t>26/04/2016</a:t>
             </a:fld>
             <a:endParaRPr lang="en-GB"/>
           </a:p>
@@ -9258,6 +9260,16 @@
           <a:lstStyle/>
           <a:p>
             <a:r>
+              <a:rPr lang="en-GB" b="1" dirty="0" smtClean="0">
+                <a:solidFill>
+                  <a:srgbClr val="FF0000"/>
+                </a:solidFill>
+              </a:rPr>
+              <a:t>This Needs More</a:t>
+            </a:r>
+          </a:p>
+          <a:p>
+            <a:r>
               <a:rPr lang="en-GB" dirty="0" smtClean="0"/>
               <a:t>Fault management is mainly used for:</a:t>
             </a:r>
@@ -9377,6 +9389,25 @@
           <a:lstStyle/>
           <a:p>
             <a:r>
+              <a:rPr lang="en-GB" b="1" dirty="0">
+                <a:solidFill>
+                  <a:srgbClr val="FF0000"/>
+                </a:solidFill>
+              </a:rPr>
+              <a:t>This Needs </a:t>
+            </a:r>
+            <a:r>
+              <a:rPr lang="en-GB" b="1" dirty="0" smtClean="0">
+                <a:solidFill>
+                  <a:srgbClr val="FF0000"/>
+                </a:solidFill>
+              </a:rPr>
+              <a:t>More</a:t>
+            </a:r>
+            <a:endParaRPr lang="en-GB" dirty="0" smtClean="0"/>
+          </a:p>
+          <a:p>
+            <a:r>
               <a:rPr lang="en-GB" dirty="0" smtClean="0"/>
               <a:t>Performance management can be used to monitor things such as:</a:t>
             </a:r>
@@ -10168,6 +10199,51 @@
           </a:p>
         </p:txBody>
       </p:sp>
+      <p:sp>
+        <p:nvSpPr>
+          <p:cNvPr id="3" name="Rectangle 2"/>
+          <p:cNvSpPr/>
+          <p:nvPr/>
+        </p:nvSpPr>
+        <p:spPr>
+          <a:xfrm>
+            <a:off x="4650397" y="5000944"/>
+            <a:ext cx="2698175" cy="369332"/>
+          </a:xfrm>
+          <a:prstGeom prst="rect">
+            <a:avLst/>
+          </a:prstGeom>
+        </p:spPr>
+        <p:txBody>
+          <a:bodyPr wrap="none">
+            <a:spAutoFit/>
+          </a:bodyPr>
+          <a:lstStyle/>
+          <a:p>
+            <a:r>
+              <a:rPr lang="en-GB" b="1" dirty="0">
+                <a:solidFill>
+                  <a:srgbClr val="FF0000"/>
+                </a:solidFill>
+              </a:rPr>
+              <a:t>This Needs </a:t>
+            </a:r>
+            <a:r>
+              <a:rPr lang="en-GB" b="1" dirty="0" smtClean="0">
+                <a:solidFill>
+                  <a:srgbClr val="FF0000"/>
+                </a:solidFill>
+              </a:rPr>
+              <a:t>More Detail</a:t>
+            </a:r>
+            <a:endParaRPr lang="en-GB" b="1" dirty="0">
+              <a:solidFill>
+                <a:srgbClr val="FF0000"/>
+              </a:solidFill>
+            </a:endParaRPr>
+          </a:p>
+        </p:txBody>
+      </p:sp>
     </p:spTree>
     <p:extLst>
       <p:ext uri="{BB962C8B-B14F-4D97-AF65-F5344CB8AC3E}">
@@ -10365,75 +10441,57 @@
           <a:bodyPr/>
           <a:lstStyle/>
           <a:p>
-            <a:pPr lvl="1"/>
-            <a:r>
-              <a:rPr lang="en-GB" sz="4200" kern="1200" dirty="0">
-                <a:latin typeface="+mj-lt"/>
-                <a:ea typeface="+mj-ea"/>
-                <a:cs typeface="+mj-cs"/>
-              </a:rPr>
-              <a:t>Integrated systems</a:t>
-            </a:r>
-            <a:br>
-              <a:rPr lang="en-GB" sz="4200" kern="1200" dirty="0">
-                <a:latin typeface="+mj-lt"/>
-                <a:ea typeface="+mj-ea"/>
-                <a:cs typeface="+mj-cs"/>
-              </a:rPr>
-            </a:br>
-            <a:endParaRPr lang="en-GB" sz="4200" kern="1200" dirty="0">
-              <a:latin typeface="+mj-lt"/>
-              <a:ea typeface="+mj-ea"/>
-              <a:cs typeface="+mj-cs"/>
-            </a:endParaRPr>
-          </a:p>
-        </p:txBody>
-      </p:sp>
-      <p:sp>
-        <p:nvSpPr>
-          <p:cNvPr id="3" name="Content Placeholder 2"/>
-          <p:cNvSpPr>
-            <a:spLocks noGrp="1"/>
-          </p:cNvSpPr>
-          <p:nvPr>
-            <p:ph idx="1"/>
-          </p:nvPr>
-        </p:nvSpPr>
-        <p:spPr/>
-        <p:txBody>
-          <a:bodyPr/>
-          <a:lstStyle/>
-          <a:p>
-            <a:r>
-              <a:rPr lang="en-GB" dirty="0" smtClean="0"/>
-              <a:t>Integrated systems combine existing systems to create one overarching system that controls everything.</a:t>
-            </a:r>
-          </a:p>
-          <a:p>
-            <a:r>
-              <a:rPr lang="en-GB" dirty="0" smtClean="0"/>
-              <a:t>This means that within a building every piece of hardware from radiators to network switches can be controlled from one piece of software. </a:t>
-            </a:r>
-          </a:p>
-          <a:p>
-            <a:r>
-              <a:rPr lang="en-GB" dirty="0" smtClean="0"/>
-              <a:t>This means that maintenance of the network can be done remotely and in a lot less time.</a:t>
-            </a:r>
-          </a:p>
-          <a:p>
-            <a:r>
-              <a:rPr lang="en-GB" dirty="0" smtClean="0"/>
-              <a:t>Integrated systems also pose the threat of hackers. As of the great power the user has from one computer it means that they are prime targets to hack/steal data from.</a:t>
+            <a:r>
+              <a:rPr lang="en-GB" dirty="0" smtClean="0"/>
+              <a:t>Integrated Systems</a:t>
             </a:r>
             <a:endParaRPr lang="en-GB" dirty="0"/>
           </a:p>
         </p:txBody>
       </p:sp>
+      <p:pic>
+        <p:nvPicPr>
+          <p:cNvPr id="1026" name="Picture 2" descr="http://trameltonis.com/sites/default/files/intro.jpg"/>
+          <p:cNvPicPr>
+            <a:picLocks noChangeAspect="1" noChangeArrowheads="1"/>
+          </p:cNvPicPr>
+          <p:nvPr/>
+        </p:nvPicPr>
+        <p:blipFill rotWithShape="1">
+          <a:blip r:embed="rId2">
+            <a:extLst>
+              <a:ext uri="{28A0092B-C50C-407E-A947-70E740481C1C}">
+                <a14:useLocalDpi xmlns:a14="http://schemas.microsoft.com/office/drawing/2010/main" val="0"/>
+              </a:ext>
+            </a:extLst>
+          </a:blip>
+          <a:srcRect l="15703" t="9767" r="18792" b="22794"/>
+          <a:stretch/>
+        </p:blipFill>
+        <p:spPr bwMode="auto">
+          <a:xfrm>
+            <a:off x="2424798" y="1443790"/>
+            <a:ext cx="5847347" cy="4312822"/>
+          </a:xfrm>
+          <a:prstGeom prst="rect">
+            <a:avLst/>
+          </a:prstGeom>
+          <a:noFill/>
+          <a:extLst>
+            <a:ext uri="{909E8E84-426E-40DD-AFC4-6F175D3DCCD1}">
+              <a14:hiddenFill xmlns:a14="http://schemas.microsoft.com/office/drawing/2010/main">
+                <a:solidFill>
+                  <a:srgbClr val="FFFFFF"/>
+                </a:solidFill>
+              </a14:hiddenFill>
+            </a:ext>
+          </a:extLst>
+        </p:spPr>
+      </p:pic>
     </p:spTree>
     <p:extLst>
       <p:ext uri="{BB962C8B-B14F-4D97-AF65-F5344CB8AC3E}">
-        <p14:creationId xmlns:p14="http://schemas.microsoft.com/office/powerpoint/2010/main" val="4030768997"/>
+        <p14:creationId xmlns:p14="http://schemas.microsoft.com/office/powerpoint/2010/main" val="4046192239"/>
       </p:ext>
     </p:extLst>
   </p:cSld>
@@ -10475,18 +10533,14 @@
           <a:bodyPr/>
           <a:lstStyle/>
           <a:p>
-            <a:pPr lvl="1" algn="l" defTabSz="457200" rtl="0">
-              <a:spcBef>
-                <a:spcPct val="0"/>
-              </a:spcBef>
-            </a:pPr>
+            <a:pPr lvl="1"/>
             <a:r>
               <a:rPr lang="en-GB" sz="4200" kern="1200" dirty="0">
                 <a:latin typeface="+mj-lt"/>
                 <a:ea typeface="+mj-ea"/>
                 <a:cs typeface="+mj-cs"/>
               </a:rPr>
-              <a:t>Emerging Technologies : </a:t>
+              <a:t>Integrated </a:t>
             </a:r>
             <a:r>
               <a:rPr lang="en-GB" sz="4200" kern="1200" dirty="0" smtClean="0">
@@ -10494,7 +10548,7 @@
                 <a:ea typeface="+mj-ea"/>
                 <a:cs typeface="+mj-cs"/>
               </a:rPr>
-              <a:t>Data </a:t>
+              <a:t>Systems</a:t>
             </a:r>
             <a:r>
               <a:rPr lang="en-GB" sz="4200" kern="1200" dirty="0">
@@ -10502,20 +10556,20 @@
                 <a:ea typeface="+mj-ea"/>
                 <a:cs typeface="+mj-cs"/>
               </a:rPr>
-              <a:t>centre management</a:t>
-            </a:r>
-            <a:r>
-              <a:rPr lang="en-GB" dirty="0"/>
               <a:t/>
             </a:r>
             <a:br>
-              <a:rPr lang="en-GB" dirty="0"/>
+              <a:rPr lang="en-GB" sz="4200" kern="1200" dirty="0">
+                <a:latin typeface="+mj-lt"/>
+                <a:ea typeface="+mj-ea"/>
+                <a:cs typeface="+mj-cs"/>
+              </a:rPr>
             </a:br>
-            <a:r>
-              <a:rPr lang="en-GB" dirty="0" smtClean="0"/>
-              <a:t> </a:t>
-            </a:r>
-            <a:endParaRPr lang="en-GB" dirty="0"/>
+            <a:endParaRPr lang="en-GB" sz="4200" kern="1200" dirty="0">
+              <a:latin typeface="+mj-lt"/>
+              <a:ea typeface="+mj-ea"/>
+              <a:cs typeface="+mj-cs"/>
+            </a:endParaRPr>
           </a:p>
         </p:txBody>
       </p:sp>
@@ -10536,25 +10590,25 @@
           <a:p>
             <a:r>
               <a:rPr lang="en-GB" dirty="0" smtClean="0"/>
-              <a:t>For developing businesses, data centres provider a low start-up cost but highly capable solution for storing data.</a:t>
-            </a:r>
-          </a:p>
-          <a:p>
-            <a:r>
-              <a:rPr lang="en-GB" dirty="0" smtClean="0"/>
-              <a:t>It means that the business can hand all of their data over to an expert in data management without having to have to directly employ them.</a:t>
-            </a:r>
-          </a:p>
-          <a:p>
-            <a:r>
-              <a:rPr lang="en-GB" dirty="0" smtClean="0"/>
-              <a:t>This means that the data centre will use its pre-existing networks and cabling to add your network to.</a:t>
-            </a:r>
-          </a:p>
-          <a:p>
-            <a:r>
-              <a:rPr lang="en-GB" dirty="0" smtClean="0"/>
-              <a:t>The disadvantage of this is that the data centre needs to make a profit and so in the long run it will be more expensive than building the network yourself.</a:t>
+              <a:t>Integrated systems combine existing systems to create one overarching system that controls everything.</a:t>
+            </a:r>
+          </a:p>
+          <a:p>
+            <a:r>
+              <a:rPr lang="en-GB" dirty="0" smtClean="0"/>
+              <a:t>This means that within a building every piece of hardware from radiators to network switches can be controlled from one piece of software. </a:t>
+            </a:r>
+          </a:p>
+          <a:p>
+            <a:r>
+              <a:rPr lang="en-GB" dirty="0" smtClean="0"/>
+              <a:t>This means that maintenance of the network can be done remotely and in a lot less time.</a:t>
+            </a:r>
+          </a:p>
+          <a:p>
+            <a:r>
+              <a:rPr lang="en-GB" dirty="0" smtClean="0"/>
+              <a:t>Integrated systems also pose the threat of hackers. As of the great power the user has from one computer it means that they are prime targets to hack/steal data from.</a:t>
             </a:r>
             <a:endParaRPr lang="en-GB" dirty="0"/>
           </a:p>
@@ -10563,7 +10617,7 @@
     </p:spTree>
     <p:extLst>
       <p:ext uri="{BB962C8B-B14F-4D97-AF65-F5344CB8AC3E}">
-        <p14:creationId xmlns:p14="http://schemas.microsoft.com/office/powerpoint/2010/main" val="4218360136"/>
+        <p14:creationId xmlns:p14="http://schemas.microsoft.com/office/powerpoint/2010/main" val="4030768997"/>
       </p:ext>
     </p:extLst>
   </p:cSld>
@@ -10736,6 +10790,208 @@
 </file>
 
 <file path=ppt/slides/slide40.xml><?xml version="1.0" encoding="utf-8"?>
+<p:sld xmlns:a="http://schemas.openxmlformats.org/drawingml/2006/main" xmlns:r="http://schemas.openxmlformats.org/officeDocument/2006/relationships" xmlns:p="http://schemas.openxmlformats.org/presentationml/2006/main">
+  <p:cSld>
+    <p:spTree>
+      <p:nvGrpSpPr>
+        <p:cNvPr id="1" name=""/>
+        <p:cNvGrpSpPr/>
+        <p:nvPr/>
+      </p:nvGrpSpPr>
+      <p:grpSpPr>
+        <a:xfrm>
+          <a:off x="0" y="0"/>
+          <a:ext cx="0" cy="0"/>
+          <a:chOff x="0" y="0"/>
+          <a:chExt cx="0" cy="0"/>
+        </a:xfrm>
+      </p:grpSpPr>
+      <p:sp>
+        <p:nvSpPr>
+          <p:cNvPr id="2" name="Title 1"/>
+          <p:cNvSpPr>
+            <a:spLocks noGrp="1"/>
+          </p:cNvSpPr>
+          <p:nvPr>
+            <p:ph type="title"/>
+          </p:nvPr>
+        </p:nvSpPr>
+        <p:spPr/>
+        <p:txBody>
+          <a:bodyPr/>
+          <a:lstStyle/>
+          <a:p>
+            <a:r>
+              <a:rPr lang="en-GB" dirty="0" smtClean="0"/>
+              <a:t>Integrated Systems - Examples</a:t>
+            </a:r>
+            <a:endParaRPr lang="en-GB" dirty="0"/>
+          </a:p>
+        </p:txBody>
+      </p:sp>
+      <p:sp>
+        <p:nvSpPr>
+          <p:cNvPr id="3" name="Content Placeholder 2"/>
+          <p:cNvSpPr>
+            <a:spLocks noGrp="1"/>
+          </p:cNvSpPr>
+          <p:nvPr>
+            <p:ph idx="1"/>
+          </p:nvPr>
+        </p:nvSpPr>
+        <p:spPr/>
+        <p:txBody>
+          <a:bodyPr/>
+          <a:lstStyle/>
+          <a:p>
+            <a:endParaRPr lang="en-GB" dirty="0"/>
+          </a:p>
+        </p:txBody>
+      </p:sp>
+    </p:spTree>
+    <p:extLst>
+      <p:ext uri="{BB962C8B-B14F-4D97-AF65-F5344CB8AC3E}">
+        <p14:creationId xmlns:p14="http://schemas.microsoft.com/office/powerpoint/2010/main" val="2852522472"/>
+      </p:ext>
+    </p:extLst>
+  </p:cSld>
+  <p:clrMapOvr>
+    <a:masterClrMapping/>
+  </p:clrMapOvr>
+</p:sld>
+</file>
+
+<file path=ppt/slides/slide41.xml><?xml version="1.0" encoding="utf-8"?>
+<p:sld xmlns:a="http://schemas.openxmlformats.org/drawingml/2006/main" xmlns:r="http://schemas.openxmlformats.org/officeDocument/2006/relationships" xmlns:p="http://schemas.openxmlformats.org/presentationml/2006/main">
+  <p:cSld>
+    <p:spTree>
+      <p:nvGrpSpPr>
+        <p:cNvPr id="1" name=""/>
+        <p:cNvGrpSpPr/>
+        <p:nvPr/>
+      </p:nvGrpSpPr>
+      <p:grpSpPr>
+        <a:xfrm>
+          <a:off x="0" y="0"/>
+          <a:ext cx="0" cy="0"/>
+          <a:chOff x="0" y="0"/>
+          <a:chExt cx="0" cy="0"/>
+        </a:xfrm>
+      </p:grpSpPr>
+      <p:sp>
+        <p:nvSpPr>
+          <p:cNvPr id="2" name="Title 1"/>
+          <p:cNvSpPr>
+            <a:spLocks noGrp="1"/>
+          </p:cNvSpPr>
+          <p:nvPr>
+            <p:ph type="title"/>
+          </p:nvPr>
+        </p:nvSpPr>
+        <p:spPr/>
+        <p:txBody>
+          <a:bodyPr/>
+          <a:lstStyle/>
+          <a:p>
+            <a:pPr lvl="1" algn="l" defTabSz="457200" rtl="0">
+              <a:spcBef>
+                <a:spcPct val="0"/>
+              </a:spcBef>
+            </a:pPr>
+            <a:r>
+              <a:rPr lang="en-GB" sz="4200" kern="1200" dirty="0">
+                <a:latin typeface="+mj-lt"/>
+                <a:ea typeface="+mj-ea"/>
+                <a:cs typeface="+mj-cs"/>
+              </a:rPr>
+              <a:t>Emerging Technologies : </a:t>
+            </a:r>
+            <a:r>
+              <a:rPr lang="en-GB" sz="4200" kern="1200" dirty="0" smtClean="0">
+                <a:latin typeface="+mj-lt"/>
+                <a:ea typeface="+mj-ea"/>
+                <a:cs typeface="+mj-cs"/>
+              </a:rPr>
+              <a:t>Data </a:t>
+            </a:r>
+            <a:r>
+              <a:rPr lang="en-GB" sz="4200" kern="1200" dirty="0">
+                <a:latin typeface="+mj-lt"/>
+                <a:ea typeface="+mj-ea"/>
+                <a:cs typeface="+mj-cs"/>
+              </a:rPr>
+              <a:t>centre management</a:t>
+            </a:r>
+            <a:r>
+              <a:rPr lang="en-GB" dirty="0"/>
+              <a:t/>
+            </a:r>
+            <a:br>
+              <a:rPr lang="en-GB" dirty="0"/>
+            </a:br>
+            <a:r>
+              <a:rPr lang="en-GB" dirty="0" smtClean="0"/>
+              <a:t> </a:t>
+            </a:r>
+            <a:endParaRPr lang="en-GB" dirty="0"/>
+          </a:p>
+        </p:txBody>
+      </p:sp>
+      <p:sp>
+        <p:nvSpPr>
+          <p:cNvPr id="3" name="Content Placeholder 2"/>
+          <p:cNvSpPr>
+            <a:spLocks noGrp="1"/>
+          </p:cNvSpPr>
+          <p:nvPr>
+            <p:ph idx="1"/>
+          </p:nvPr>
+        </p:nvSpPr>
+        <p:spPr/>
+        <p:txBody>
+          <a:bodyPr/>
+          <a:lstStyle/>
+          <a:p>
+            <a:r>
+              <a:rPr lang="en-GB" dirty="0" smtClean="0"/>
+              <a:t>For developing businesses, data centres provider a low start-up cost but highly capable solution for storing data.</a:t>
+            </a:r>
+          </a:p>
+          <a:p>
+            <a:r>
+              <a:rPr lang="en-GB" dirty="0" smtClean="0"/>
+              <a:t>It means that the business can hand all of their data over to an expert in data management without having to have to directly employ them.</a:t>
+            </a:r>
+          </a:p>
+          <a:p>
+            <a:r>
+              <a:rPr lang="en-GB" dirty="0" smtClean="0"/>
+              <a:t>This means that the data centre will use its pre-existing networks and cabling to add your network to.</a:t>
+            </a:r>
+          </a:p>
+          <a:p>
+            <a:r>
+              <a:rPr lang="en-GB" dirty="0" smtClean="0"/>
+              <a:t>The disadvantage of this is that the data centre needs to make a profit and so in the long run it will be more expensive than building the network yourself.</a:t>
+            </a:r>
+            <a:endParaRPr lang="en-GB" dirty="0"/>
+          </a:p>
+        </p:txBody>
+      </p:sp>
+    </p:spTree>
+    <p:extLst>
+      <p:ext uri="{BB962C8B-B14F-4D97-AF65-F5344CB8AC3E}">
+        <p14:creationId xmlns:p14="http://schemas.microsoft.com/office/powerpoint/2010/main" val="4218360136"/>
+      </p:ext>
+    </p:extLst>
+  </p:cSld>
+  <p:clrMapOvr>
+    <a:masterClrMapping/>
+  </p:clrMapOvr>
+</p:sld>
+</file>
+
+<file path=ppt/slides/slide42.xml><?xml version="1.0" encoding="utf-8"?>
 <p:sld xmlns:a="http://schemas.openxmlformats.org/drawingml/2006/main" xmlns:r="http://schemas.openxmlformats.org/officeDocument/2006/relationships" xmlns:p="http://schemas.openxmlformats.org/presentationml/2006/main">
   <p:cSld>
     <p:spTree>

--- a/Unit 5/Assignment 1/Unit 5 presentation for P1,2,3,M1.pptx
+++ b/Unit 5/Assignment 1/Unit 5 presentation for P1,2,3,M1.pptx
@@ -5,10 +5,10 @@
     <p:sldMasterId id="2147483660" r:id="rId1"/>
   </p:sldMasterIdLst>
   <p:notesMasterIdLst>
-    <p:notesMasterId r:id="rId44"/>
+    <p:notesMasterId r:id="rId50"/>
   </p:notesMasterIdLst>
   <p:handoutMasterIdLst>
-    <p:handoutMasterId r:id="rId45"/>
+    <p:handoutMasterId r:id="rId51"/>
   </p:handoutMasterIdLst>
   <p:sldIdLst>
     <p:sldId id="256" r:id="rId2"/>
@@ -39,20 +39,26 @@
     <p:sldId id="285" r:id="rId27"/>
     <p:sldId id="282" r:id="rId28"/>
     <p:sldId id="286" r:id="rId29"/>
-    <p:sldId id="287" r:id="rId30"/>
-    <p:sldId id="288" r:id="rId31"/>
-    <p:sldId id="289" r:id="rId32"/>
-    <p:sldId id="290" r:id="rId33"/>
-    <p:sldId id="291" r:id="rId34"/>
-    <p:sldId id="292" r:id="rId35"/>
-    <p:sldId id="293" r:id="rId36"/>
-    <p:sldId id="294" r:id="rId37"/>
-    <p:sldId id="296" r:id="rId38"/>
-    <p:sldId id="298" r:id="rId39"/>
-    <p:sldId id="297" r:id="rId40"/>
-    <p:sldId id="299" r:id="rId41"/>
-    <p:sldId id="295" r:id="rId42"/>
-    <p:sldId id="260" r:id="rId43"/>
+    <p:sldId id="300" r:id="rId30"/>
+    <p:sldId id="287" r:id="rId31"/>
+    <p:sldId id="301" r:id="rId32"/>
+    <p:sldId id="288" r:id="rId33"/>
+    <p:sldId id="289" r:id="rId34"/>
+    <p:sldId id="290" r:id="rId35"/>
+    <p:sldId id="291" r:id="rId36"/>
+    <p:sldId id="292" r:id="rId37"/>
+    <p:sldId id="293" r:id="rId38"/>
+    <p:sldId id="294" r:id="rId39"/>
+    <p:sldId id="296" r:id="rId40"/>
+    <p:sldId id="302" r:id="rId41"/>
+    <p:sldId id="307" r:id="rId42"/>
+    <p:sldId id="303" r:id="rId43"/>
+    <p:sldId id="304" r:id="rId44"/>
+    <p:sldId id="308" r:id="rId45"/>
+    <p:sldId id="306" r:id="rId46"/>
+    <p:sldId id="305" r:id="rId47"/>
+    <p:sldId id="309" r:id="rId48"/>
+    <p:sldId id="260" r:id="rId49"/>
   </p:sldIdLst>
   <p:sldSz cx="12192000" cy="6858000"/>
   <p:notesSz cx="6669088" cy="9872663"/>
@@ -241,7 +247,7 @@
           <a:p>
             <a:fld id="{D6FC233C-6037-41E6-9014-241DB677C779}" type="datetimeFigureOut">
               <a:rPr lang="en-GB" smtClean="0"/>
-              <a:t>26/04/2016</a:t>
+              <a:t>28/04/2016</a:t>
             </a:fld>
             <a:endParaRPr lang="en-GB"/>
           </a:p>
@@ -406,7 +412,7 @@
           <a:p>
             <a:fld id="{DB72E991-647A-400D-8A4B-1B6EAA805460}" type="datetimeFigureOut">
               <a:rPr lang="en-GB" smtClean="0"/>
-              <a:t>26/04/2016</a:t>
+              <a:t>28/04/2016</a:t>
             </a:fld>
             <a:endParaRPr lang="en-GB"/>
           </a:p>
@@ -1226,7 +1232,7 @@
           <a:p>
             <a:fld id="{850E182C-5F22-467F-B4E6-325912CEF02D}" type="datetimeFigureOut">
               <a:rPr lang="en-GB" smtClean="0"/>
-              <a:t>26/04/2016</a:t>
+              <a:t>28/04/2016</a:t>
             </a:fld>
             <a:endParaRPr lang="en-GB"/>
           </a:p>
@@ -1501,7 +1507,7 @@
           <a:p>
             <a:fld id="{850E182C-5F22-467F-B4E6-325912CEF02D}" type="datetimeFigureOut">
               <a:rPr lang="en-GB" smtClean="0"/>
-              <a:t>26/04/2016</a:t>
+              <a:t>28/04/2016</a:t>
             </a:fld>
             <a:endParaRPr lang="en-GB"/>
           </a:p>
@@ -1695,7 +1701,7 @@
           <a:p>
             <a:fld id="{850E182C-5F22-467F-B4E6-325912CEF02D}" type="datetimeFigureOut">
               <a:rPr lang="en-GB" smtClean="0"/>
-              <a:t>26/04/2016</a:t>
+              <a:t>28/04/2016</a:t>
             </a:fld>
             <a:endParaRPr lang="en-GB"/>
           </a:p>
@@ -1968,7 +1974,7 @@
           <a:p>
             <a:fld id="{850E182C-5F22-467F-B4E6-325912CEF02D}" type="datetimeFigureOut">
               <a:rPr lang="en-GB" smtClean="0"/>
-              <a:t>26/04/2016</a:t>
+              <a:t>28/04/2016</a:t>
             </a:fld>
             <a:endParaRPr lang="en-GB"/>
           </a:p>
@@ -2309,7 +2315,7 @@
           <a:p>
             <a:fld id="{850E182C-5F22-467F-B4E6-325912CEF02D}" type="datetimeFigureOut">
               <a:rPr lang="en-GB" smtClean="0"/>
-              <a:t>26/04/2016</a:t>
+              <a:t>28/04/2016</a:t>
             </a:fld>
             <a:endParaRPr lang="en-GB"/>
           </a:p>
@@ -2932,7 +2938,7 @@
           <a:p>
             <a:fld id="{850E182C-5F22-467F-B4E6-325912CEF02D}" type="datetimeFigureOut">
               <a:rPr lang="en-GB" smtClean="0"/>
-              <a:t>26/04/2016</a:t>
+              <a:t>28/04/2016</a:t>
             </a:fld>
             <a:endParaRPr lang="en-GB"/>
           </a:p>
@@ -3792,7 +3798,7 @@
           <a:p>
             <a:fld id="{850E182C-5F22-467F-B4E6-325912CEF02D}" type="datetimeFigureOut">
               <a:rPr lang="en-GB" smtClean="0"/>
-              <a:t>26/04/2016</a:t>
+              <a:t>28/04/2016</a:t>
             </a:fld>
             <a:endParaRPr lang="en-GB"/>
           </a:p>
@@ -3962,7 +3968,7 @@
           <a:p>
             <a:fld id="{850E182C-5F22-467F-B4E6-325912CEF02D}" type="datetimeFigureOut">
               <a:rPr lang="en-GB" smtClean="0"/>
-              <a:t>26/04/2016</a:t>
+              <a:t>28/04/2016</a:t>
             </a:fld>
             <a:endParaRPr lang="en-GB"/>
           </a:p>
@@ -4142,7 +4148,7 @@
           <a:p>
             <a:fld id="{850E182C-5F22-467F-B4E6-325912CEF02D}" type="datetimeFigureOut">
               <a:rPr lang="en-GB" smtClean="0"/>
-              <a:t>26/04/2016</a:t>
+              <a:t>28/04/2016</a:t>
             </a:fld>
             <a:endParaRPr lang="en-GB"/>
           </a:p>
@@ -4312,7 +4318,7 @@
           <a:p>
             <a:fld id="{850E182C-5F22-467F-B4E6-325912CEF02D}" type="datetimeFigureOut">
               <a:rPr lang="en-GB" smtClean="0"/>
-              <a:t>26/04/2016</a:t>
+              <a:t>28/04/2016</a:t>
             </a:fld>
             <a:endParaRPr lang="en-GB"/>
           </a:p>
@@ -4559,7 +4565,7 @@
           <a:p>
             <a:fld id="{850E182C-5F22-467F-B4E6-325912CEF02D}" type="datetimeFigureOut">
               <a:rPr lang="en-GB" smtClean="0"/>
-              <a:t>26/04/2016</a:t>
+              <a:t>28/04/2016</a:t>
             </a:fld>
             <a:endParaRPr lang="en-GB"/>
           </a:p>
@@ -4851,7 +4857,7 @@
           <a:p>
             <a:fld id="{850E182C-5F22-467F-B4E6-325912CEF02D}" type="datetimeFigureOut">
               <a:rPr lang="en-GB" smtClean="0"/>
-              <a:t>26/04/2016</a:t>
+              <a:t>28/04/2016</a:t>
             </a:fld>
             <a:endParaRPr lang="en-GB"/>
           </a:p>
@@ -5295,7 +5301,7 @@
           <a:p>
             <a:fld id="{850E182C-5F22-467F-B4E6-325912CEF02D}" type="datetimeFigureOut">
               <a:rPr lang="en-GB" smtClean="0"/>
-              <a:t>26/04/2016</a:t>
+              <a:t>28/04/2016</a:t>
             </a:fld>
             <a:endParaRPr lang="en-GB"/>
           </a:p>
@@ -5413,7 +5419,7 @@
           <a:p>
             <a:fld id="{850E182C-5F22-467F-B4E6-325912CEF02D}" type="datetimeFigureOut">
               <a:rPr lang="en-GB" smtClean="0"/>
-              <a:t>26/04/2016</a:t>
+              <a:t>28/04/2016</a:t>
             </a:fld>
             <a:endParaRPr lang="en-GB"/>
           </a:p>
@@ -5508,7 +5514,7 @@
           <a:p>
             <a:fld id="{850E182C-5F22-467F-B4E6-325912CEF02D}" type="datetimeFigureOut">
               <a:rPr lang="en-GB" smtClean="0"/>
-              <a:t>26/04/2016</a:t>
+              <a:t>28/04/2016</a:t>
             </a:fld>
             <a:endParaRPr lang="en-GB"/>
           </a:p>
@@ -5787,7 +5793,7 @@
           <a:p>
             <a:fld id="{850E182C-5F22-467F-B4E6-325912CEF02D}" type="datetimeFigureOut">
               <a:rPr lang="en-GB" smtClean="0"/>
-              <a:t>26/04/2016</a:t>
+              <a:t>28/04/2016</a:t>
             </a:fld>
             <a:endParaRPr lang="en-GB"/>
           </a:p>
@@ -6062,7 +6068,7 @@
           <a:p>
             <a:fld id="{850E182C-5F22-467F-B4E6-325912CEF02D}" type="datetimeFigureOut">
               <a:rPr lang="en-GB" smtClean="0"/>
-              <a:t>26/04/2016</a:t>
+              <a:t>28/04/2016</a:t>
             </a:fld>
             <a:endParaRPr lang="en-GB"/>
           </a:p>
@@ -6491,7 +6497,7 @@
           <a:p>
             <a:fld id="{850E182C-5F22-467F-B4E6-325912CEF02D}" type="datetimeFigureOut">
               <a:rPr lang="en-GB" smtClean="0"/>
-              <a:t>26/04/2016</a:t>
+              <a:t>28/04/2016</a:t>
             </a:fld>
             <a:endParaRPr lang="en-GB"/>
           </a:p>
@@ -9260,46 +9266,38 @@
           <a:lstStyle/>
           <a:p>
             <a:r>
-              <a:rPr lang="en-GB" b="1" dirty="0" smtClean="0">
-                <a:solidFill>
-                  <a:srgbClr val="FF0000"/>
-                </a:solidFill>
-              </a:rPr>
-              <a:t>This Needs More</a:t>
-            </a:r>
-          </a:p>
-          <a:p>
-            <a:r>
-              <a:rPr lang="en-GB" dirty="0" smtClean="0"/>
-              <a:t>Fault management is mainly used for:</a:t>
-            </a:r>
-          </a:p>
-          <a:p>
-            <a:pPr lvl="1"/>
+              <a:rPr lang="en-US" dirty="0"/>
+              <a:t>Software or functions that detect errors or malfunctions in a network</a:t>
+            </a:r>
+          </a:p>
+          <a:p>
+            <a:r>
+              <a:rPr lang="en-US" dirty="0"/>
+              <a:t>Maintain error logs</a:t>
+            </a:r>
+          </a:p>
+          <a:p>
+            <a:r>
+              <a:rPr lang="en-US" dirty="0"/>
+              <a:t>Adjust for changes in environment that may alter the speed or reliability of a network</a:t>
+            </a:r>
+          </a:p>
+          <a:p>
+            <a:r>
+              <a:rPr lang="en-US" dirty="0"/>
+              <a:t>Notify administrators when errors appear that require further repair than the system can provide</a:t>
+            </a:r>
+          </a:p>
+          <a:p>
+            <a:r>
+              <a:rPr lang="en-US" dirty="0"/>
+              <a:t>May be active or </a:t>
+            </a:r>
             <a:r>
               <a:rPr lang="en-US" dirty="0" smtClean="0"/>
-              <a:t>Problem Detection</a:t>
-            </a:r>
-            <a:endParaRPr lang="en-US" dirty="0"/>
-          </a:p>
-          <a:p>
-            <a:pPr lvl="1"/>
-            <a:r>
-              <a:rPr lang="en-US" dirty="0"/>
-              <a:t>Providing Alerts</a:t>
-            </a:r>
-          </a:p>
-          <a:p>
-            <a:pPr lvl="1"/>
-            <a:r>
-              <a:rPr lang="en-US" dirty="0"/>
-              <a:t>Potential to provide automated fixes</a:t>
+              <a:t>Passive</a:t>
             </a:r>
             <a:endParaRPr lang="en-GB" dirty="0"/>
-          </a:p>
-          <a:p>
-            <a:pPr lvl="1"/>
-            <a:endParaRPr lang="en-GB" dirty="0" smtClean="0"/>
           </a:p>
         </p:txBody>
       </p:sp>
@@ -9349,27 +9347,9 @@
           <a:lstStyle/>
           <a:p>
             <a:r>
-              <a:rPr lang="en-GB" dirty="0" smtClean="0"/>
-              <a:t>Network Tools : Performance Management</a:t>
-            </a:r>
-            <a:br>
-              <a:rPr lang="en-GB" dirty="0" smtClean="0"/>
-            </a:br>
-            <a:r>
               <a:rPr lang="en-GB" dirty="0"/>
-              <a:t/>
-            </a:r>
-            <a:br>
-              <a:rPr lang="en-GB" dirty="0"/>
-            </a:br>
-            <a:r>
-              <a:rPr lang="en-GB" dirty="0" smtClean="0"/>
-              <a:t/>
-            </a:r>
-            <a:br>
-              <a:rPr lang="en-GB" dirty="0" smtClean="0"/>
-            </a:br>
-            <a:endParaRPr lang="en-GB" dirty="0"/>
+              <a:t>Network Tools : Fault Management</a:t>
+            </a:r>
           </a:p>
         </p:txBody>
       </p:sp>
@@ -9385,53 +9365,49 @@
         </p:nvSpPr>
         <p:spPr/>
         <p:txBody>
-          <a:bodyPr/>
-          <a:lstStyle/>
-          <a:p>
-            <a:r>
-              <a:rPr lang="en-GB" b="1" dirty="0">
-                <a:solidFill>
-                  <a:srgbClr val="FF0000"/>
-                </a:solidFill>
-              </a:rPr>
-              <a:t>This Needs </a:t>
-            </a:r>
-            <a:r>
-              <a:rPr lang="en-GB" b="1" dirty="0" smtClean="0">
-                <a:solidFill>
-                  <a:srgbClr val="FF0000"/>
-                </a:solidFill>
-              </a:rPr>
-              <a:t>More</a:t>
-            </a:r>
-            <a:endParaRPr lang="en-GB" dirty="0" smtClean="0"/>
-          </a:p>
-          <a:p>
-            <a:r>
-              <a:rPr lang="en-GB" dirty="0" smtClean="0"/>
-              <a:t>Performance management can be used to monitor things such as:</a:t>
-            </a:r>
-          </a:p>
-          <a:p>
-            <a:pPr lvl="1"/>
-            <a:r>
-              <a:rPr lang="en-GB" dirty="0" smtClean="0"/>
-              <a:t>Bandwidth</a:t>
-            </a:r>
-            <a:endParaRPr lang="en-GB" dirty="0"/>
-          </a:p>
-          <a:p>
-            <a:pPr lvl="1"/>
-            <a:r>
-              <a:rPr lang="en-GB" dirty="0" smtClean="0"/>
-              <a:t>Latency</a:t>
-            </a:r>
-          </a:p>
-          <a:p>
-            <a:pPr lvl="1"/>
-            <a:r>
-              <a:rPr lang="en-GB" dirty="0" smtClean="0"/>
-              <a:t>Uptime</a:t>
+          <a:bodyPr>
+            <a:normAutofit fontScale="85000" lnSpcReduction="20000"/>
+          </a:bodyPr>
+          <a:lstStyle/>
+          <a:p>
+            <a:r>
+              <a:rPr lang="en-US" dirty="0"/>
+              <a:t>A fault management system detects and handles faults in a network. These systems also adjust for changes in a networks environment, scan for threats such as viruses, and alert administrators of errors. </a:t>
+            </a:r>
+          </a:p>
+          <a:p>
+            <a:r>
+              <a:rPr lang="en-US" dirty="0"/>
+              <a:t>Fault management systems can be any tools or specific procedures for detecting and managing errors.</a:t>
+            </a:r>
+          </a:p>
+          <a:p>
+            <a:r>
+              <a:rPr lang="en-US" dirty="0"/>
+              <a:t>A fault management system may also maintain and store error logs</a:t>
+            </a:r>
+            <a:r>
+              <a:rPr lang="en-US" dirty="0" smtClean="0"/>
+              <a:t>.</a:t>
+            </a:r>
+            <a:endParaRPr lang="en-US" dirty="0"/>
+          </a:p>
+          <a:p>
+            <a:r>
+              <a:rPr lang="en-US" dirty="0"/>
+              <a:t>Fault detection systems may be active or passive. </a:t>
+            </a:r>
+          </a:p>
+          <a:p>
+            <a:r>
+              <a:rPr lang="en-US" dirty="0"/>
+              <a:t>A passive system requires individual devices to transmit error messages or alarms when they detect their own errors. While this mode allows for a simpler method of monitoring, where a system just waits to receive error messages, if a device loses the ability to transmit an alarm then the Fault Management system will not become aware of the error, and will not alert an administrator.</a:t>
+            </a:r>
+          </a:p>
+          <a:p>
+            <a:r>
+              <a:rPr lang="en-US" dirty="0"/>
+              <a:t>An active system will periodically ping all of the devices it knows about, checking whether they are online and functioning correctly. If a pinged device does not respond then the system will sound an alarm and alert an administrator</a:t>
             </a:r>
             <a:endParaRPr lang="en-GB" dirty="0"/>
           </a:p>
@@ -9440,7 +9416,7 @@
     </p:spTree>
     <p:extLst>
       <p:ext uri="{BB962C8B-B14F-4D97-AF65-F5344CB8AC3E}">
-        <p14:creationId xmlns:p14="http://schemas.microsoft.com/office/powerpoint/2010/main" val="3279055802"/>
+        <p14:creationId xmlns:p14="http://schemas.microsoft.com/office/powerpoint/2010/main" val="2314179642"/>
       </p:ext>
     </p:extLst>
   </p:cSld>
@@ -9543,8 +9519,25 @@
           <a:p>
             <a:r>
               <a:rPr lang="en-GB" dirty="0" smtClean="0"/>
-              <a:t>Network tools : Detection of network assets</a:t>
-            </a:r>
+              <a:t>Network Tools : Performance Management</a:t>
+            </a:r>
+            <a:br>
+              <a:rPr lang="en-GB" dirty="0" smtClean="0"/>
+            </a:br>
+            <a:r>
+              <a:rPr lang="en-GB" dirty="0"/>
+              <a:t/>
+            </a:r>
+            <a:br>
+              <a:rPr lang="en-GB" dirty="0"/>
+            </a:br>
+            <a:r>
+              <a:rPr lang="en-GB" dirty="0" smtClean="0"/>
+              <a:t/>
+            </a:r>
+            <a:br>
+              <a:rPr lang="en-GB" dirty="0" smtClean="0"/>
+            </a:br>
             <a:endParaRPr lang="en-GB" dirty="0"/>
           </a:p>
         </p:txBody>
@@ -9565,29 +9558,26 @@
           <a:lstStyle/>
           <a:p>
             <a:r>
-              <a:rPr lang="en-GB" dirty="0" smtClean="0"/>
-              <a:t>This basically just finds assets connected to the network.</a:t>
-            </a:r>
-          </a:p>
-          <a:p>
-            <a:r>
-              <a:rPr lang="en-GB" dirty="0" smtClean="0"/>
-              <a:t>This can go as far as:</a:t>
-            </a:r>
-          </a:p>
-          <a:p>
-            <a:pPr lvl="1"/>
-            <a:r>
-              <a:rPr lang="en-GB" dirty="0" smtClean="0"/>
-              <a:t>Finding model/types/specs of the device</a:t>
-            </a:r>
-          </a:p>
-          <a:p>
-            <a:pPr lvl="1"/>
-            <a:r>
-              <a:rPr lang="en-GB" dirty="0" smtClean="0"/>
-              <a:t>Using agents to display what software is installed on the device</a:t>
-            </a:r>
+              <a:rPr lang="en-US" dirty="0"/>
+              <a:t>Performance Management systems monitor a network and adjust for changing conditions that affect the speed of the network.</a:t>
+            </a:r>
+          </a:p>
+          <a:p>
+            <a:r>
+              <a:rPr lang="en-US" dirty="0"/>
+              <a:t>Analyze and record performance.</a:t>
+            </a:r>
+          </a:p>
+          <a:p>
+            <a:r>
+              <a:rPr lang="en-US" dirty="0"/>
+              <a:t>Help diagnose causes of slowdown in networks.</a:t>
+            </a:r>
+          </a:p>
+          <a:p>
+            <a:pPr marL="0" indent="0">
+              <a:buNone/>
+            </a:pPr>
             <a:endParaRPr lang="en-GB" dirty="0"/>
           </a:p>
         </p:txBody>
@@ -9595,7 +9585,7 @@
     </p:spTree>
     <p:extLst>
       <p:ext uri="{BB962C8B-B14F-4D97-AF65-F5344CB8AC3E}">
-        <p14:creationId xmlns:p14="http://schemas.microsoft.com/office/powerpoint/2010/main" val="4001448685"/>
+        <p14:creationId xmlns:p14="http://schemas.microsoft.com/office/powerpoint/2010/main" val="3279055802"/>
       </p:ext>
     </p:extLst>
   </p:cSld>
@@ -9638,59 +9628,44 @@
           <a:lstStyle/>
           <a:p>
             <a:r>
-              <a:rPr lang="en-GB" dirty="0" smtClean="0"/>
-              <a:t>Networking Tools : Examples</a:t>
-            </a:r>
-            <a:br>
-              <a:rPr lang="en-GB" dirty="0" smtClean="0"/>
-            </a:br>
+              <a:rPr lang="en-GB" dirty="0"/>
+              <a:t>Network Tools : Performance Management</a:t>
+            </a:r>
+          </a:p>
+        </p:txBody>
+      </p:sp>
+      <p:sp>
+        <p:nvSpPr>
+          <p:cNvPr id="3" name="Content Placeholder 2"/>
+          <p:cNvSpPr>
+            <a:spLocks noGrp="1"/>
+          </p:cNvSpPr>
+          <p:nvPr>
+            <p:ph idx="1"/>
+          </p:nvPr>
+        </p:nvSpPr>
+        <p:spPr/>
+        <p:txBody>
+          <a:bodyPr/>
+          <a:lstStyle/>
+          <a:p>
+            <a:r>
+              <a:rPr lang="en-US" dirty="0"/>
+              <a:t>Performance management systems consist of software or procedures which monitor networks for changes in speed and efficiency of a network. They also adjust networks so that the networks function optimally. </a:t>
+            </a:r>
+          </a:p>
+          <a:p>
+            <a:r>
+              <a:rPr lang="en-US" dirty="0"/>
+              <a:t>Performance management systems also monitor, analyze and store performance and performance records.</a:t>
+            </a:r>
+          </a:p>
+          <a:p>
+            <a:r>
+              <a:rPr lang="en-US" dirty="0"/>
+              <a:t>Performance management systems can be used help diagnose causes of slowdown within a network.</a:t>
+            </a:r>
             <a:endParaRPr lang="en-GB" dirty="0"/>
-          </a:p>
-        </p:txBody>
-      </p:sp>
-      <p:sp>
-        <p:nvSpPr>
-          <p:cNvPr id="3" name="Content Placeholder 2"/>
-          <p:cNvSpPr>
-            <a:spLocks noGrp="1"/>
-          </p:cNvSpPr>
-          <p:nvPr>
-            <p:ph idx="1"/>
-          </p:nvPr>
-        </p:nvSpPr>
-        <p:spPr/>
-        <p:txBody>
-          <a:bodyPr/>
-          <a:lstStyle/>
-          <a:p>
-            <a:r>
-              <a:rPr lang="en-GB" dirty="0" smtClean="0"/>
-              <a:t>Wireshark</a:t>
-            </a:r>
-          </a:p>
-          <a:p>
-            <a:r>
-              <a:rPr lang="en-GB" dirty="0" err="1" smtClean="0"/>
-              <a:t>PsPing</a:t>
-            </a:r>
-            <a:endParaRPr lang="en-GB" dirty="0" smtClean="0"/>
-          </a:p>
-          <a:p>
-            <a:r>
-              <a:rPr lang="en-GB" dirty="0" err="1" smtClean="0"/>
-              <a:t>CiscoWorks</a:t>
-            </a:r>
-            <a:endParaRPr lang="en-GB" dirty="0" smtClean="0"/>
-          </a:p>
-          <a:p>
-            <a:r>
-              <a:rPr lang="en-GB" dirty="0" err="1" smtClean="0"/>
-              <a:t>Whois</a:t>
-            </a:r>
-            <a:endParaRPr lang="en-GB" dirty="0" smtClean="0"/>
-          </a:p>
-          <a:p>
-            <a:endParaRPr lang="en-GB" dirty="0" smtClean="0"/>
           </a:p>
           <a:p>
             <a:endParaRPr lang="en-GB" dirty="0"/>
@@ -9700,7 +9675,7 @@
     </p:spTree>
     <p:extLst>
       <p:ext uri="{BB962C8B-B14F-4D97-AF65-F5344CB8AC3E}">
-        <p14:creationId xmlns:p14="http://schemas.microsoft.com/office/powerpoint/2010/main" val="877820719"/>
+        <p14:creationId xmlns:p14="http://schemas.microsoft.com/office/powerpoint/2010/main" val="3167507172"/>
       </p:ext>
     </p:extLst>
   </p:cSld>
@@ -9744,7 +9719,7 @@
           <a:p>
             <a:r>
               <a:rPr lang="en-GB" dirty="0" smtClean="0"/>
-              <a:t>Networking Tools : Wireshark</a:t>
+              <a:t>Network tools : Detection of network assets</a:t>
             </a:r>
             <a:endParaRPr lang="en-GB" dirty="0"/>
           </a:p>
@@ -9767,46 +9742,28 @@
           <a:p>
             <a:r>
               <a:rPr lang="en-GB" dirty="0" smtClean="0"/>
-              <a:t>“</a:t>
-            </a:r>
-            <a:r>
-              <a:rPr lang="en-GB" dirty="0"/>
-              <a:t>Wireshark is the world's foremost network protocol </a:t>
-            </a:r>
-            <a:r>
-              <a:rPr lang="en-GB" dirty="0" smtClean="0"/>
-              <a:t>analyser. </a:t>
-            </a:r>
-            <a:r>
-              <a:rPr lang="en-GB" dirty="0"/>
-              <a:t>It lets you see what's happening on your network at a microscopic level. It is the de facto (and often de jure) standard across many industries and educational </a:t>
-            </a:r>
-            <a:r>
-              <a:rPr lang="en-GB" dirty="0" smtClean="0"/>
-              <a:t>institutions”.</a:t>
-            </a:r>
-          </a:p>
-          <a:p>
-            <a:r>
-              <a:rPr lang="en-GB" dirty="0" smtClean="0"/>
-              <a:t>Wireshark displays traffic that has come through a wired connection. It then displays this information that </a:t>
-            </a:r>
-            <a:r>
-              <a:rPr lang="en-GB" dirty="0"/>
-              <a:t>can be filtered and </a:t>
-            </a:r>
-            <a:r>
-              <a:rPr lang="en-GB" dirty="0" smtClean="0"/>
-              <a:t>analysed by the user. </a:t>
-            </a:r>
-          </a:p>
-          <a:p>
-            <a:r>
-              <a:rPr lang="en-GB" dirty="0" smtClean="0"/>
-              <a:t>It is useful for checking that the network hasn't got any unwanted traffic.</a:t>
-            </a:r>
-          </a:p>
-          <a:p>
+              <a:t>This basically just finds assets connected to the network.</a:t>
+            </a:r>
+          </a:p>
+          <a:p>
+            <a:r>
+              <a:rPr lang="en-GB" dirty="0" smtClean="0"/>
+              <a:t>This can go as far as:</a:t>
+            </a:r>
+          </a:p>
+          <a:p>
+            <a:pPr lvl="1"/>
+            <a:r>
+              <a:rPr lang="en-GB" dirty="0" smtClean="0"/>
+              <a:t>Finding model/types/specs of the device</a:t>
+            </a:r>
+          </a:p>
+          <a:p>
+            <a:pPr lvl="1"/>
+            <a:r>
+              <a:rPr lang="en-GB" dirty="0" smtClean="0"/>
+              <a:t>Using agents to display what software is installed on the device</a:t>
+            </a:r>
             <a:endParaRPr lang="en-GB" dirty="0"/>
           </a:p>
         </p:txBody>
@@ -9814,7 +9771,7 @@
     </p:spTree>
     <p:extLst>
       <p:ext uri="{BB962C8B-B14F-4D97-AF65-F5344CB8AC3E}">
-        <p14:creationId xmlns:p14="http://schemas.microsoft.com/office/powerpoint/2010/main" val="1542958647"/>
+        <p14:creationId xmlns:p14="http://schemas.microsoft.com/office/powerpoint/2010/main" val="4001448685"/>
       </p:ext>
     </p:extLst>
   </p:cSld>
@@ -9858,51 +9815,60 @@
           <a:p>
             <a:r>
               <a:rPr lang="en-GB" dirty="0" smtClean="0"/>
-              <a:t>Networking Tools : </a:t>
-            </a:r>
+              <a:t>Networking Tools : Examples</a:t>
+            </a:r>
+            <a:br>
+              <a:rPr lang="en-GB" dirty="0" smtClean="0"/>
+            </a:br>
+            <a:endParaRPr lang="en-GB" dirty="0"/>
+          </a:p>
+        </p:txBody>
+      </p:sp>
+      <p:sp>
+        <p:nvSpPr>
+          <p:cNvPr id="3" name="Content Placeholder 2"/>
+          <p:cNvSpPr>
+            <a:spLocks noGrp="1"/>
+          </p:cNvSpPr>
+          <p:nvPr>
+            <p:ph idx="1"/>
+          </p:nvPr>
+        </p:nvSpPr>
+        <p:spPr/>
+        <p:txBody>
+          <a:bodyPr/>
+          <a:lstStyle/>
+          <a:p>
+            <a:r>
+              <a:rPr lang="en-GB" dirty="0" smtClean="0"/>
+              <a:t>Wireshark</a:t>
+            </a:r>
+          </a:p>
+          <a:p>
             <a:r>
               <a:rPr lang="en-GB" dirty="0" err="1" smtClean="0"/>
               <a:t>PsPing</a:t>
             </a:r>
-            <a:endParaRPr lang="en-GB" dirty="0"/>
-          </a:p>
-        </p:txBody>
-      </p:sp>
-      <p:sp>
-        <p:nvSpPr>
-          <p:cNvPr id="3" name="Content Placeholder 2"/>
-          <p:cNvSpPr>
-            <a:spLocks noGrp="1"/>
-          </p:cNvSpPr>
-          <p:nvPr>
-            <p:ph idx="1"/>
-          </p:nvPr>
-        </p:nvSpPr>
-        <p:spPr/>
-        <p:txBody>
-          <a:bodyPr/>
-          <a:lstStyle/>
+            <a:endParaRPr lang="en-GB" dirty="0" smtClean="0"/>
+          </a:p>
           <a:p>
             <a:r>
               <a:rPr lang="en-GB" dirty="0" err="1" smtClean="0"/>
-              <a:t>PsPing</a:t>
-            </a:r>
-            <a:r>
-              <a:rPr lang="en-GB" dirty="0" smtClean="0"/>
-              <a:t> measures and monitors the levels of bandwidth, latency and ultimately ping between network devices.</a:t>
-            </a:r>
-          </a:p>
-          <a:p>
-            <a:r>
-              <a:rPr lang="en-GB" dirty="0" smtClean="0"/>
-              <a:t>It can also be used to display this information and show which addresses are the biggest and smallest users.</a:t>
-            </a:r>
-          </a:p>
-          <a:p>
-            <a:r>
-              <a:rPr lang="en-GB" dirty="0" smtClean="0"/>
-              <a:t>This is good for diagnosing slow areas in the network and improving them.</a:t>
-            </a:r>
+              <a:t>CiscoWorks</a:t>
+            </a:r>
+            <a:endParaRPr lang="en-GB" dirty="0" smtClean="0"/>
+          </a:p>
+          <a:p>
+            <a:r>
+              <a:rPr lang="en-GB" dirty="0" err="1" smtClean="0"/>
+              <a:t>Whois</a:t>
+            </a:r>
+            <a:endParaRPr lang="en-GB" dirty="0" smtClean="0"/>
+          </a:p>
+          <a:p>
+            <a:endParaRPr lang="en-GB" dirty="0" smtClean="0"/>
+          </a:p>
+          <a:p>
             <a:endParaRPr lang="en-GB" dirty="0"/>
           </a:p>
         </p:txBody>
@@ -9910,7 +9876,7 @@
     </p:spTree>
     <p:extLst>
       <p:ext uri="{BB962C8B-B14F-4D97-AF65-F5344CB8AC3E}">
-        <p14:creationId xmlns:p14="http://schemas.microsoft.com/office/powerpoint/2010/main" val="663778233"/>
+        <p14:creationId xmlns:p14="http://schemas.microsoft.com/office/powerpoint/2010/main" val="877820719"/>
       </p:ext>
     </p:extLst>
   </p:cSld>
@@ -9954,11 +9920,7 @@
           <a:p>
             <a:r>
               <a:rPr lang="en-GB" dirty="0" smtClean="0"/>
-              <a:t>Networking Tools : </a:t>
-            </a:r>
-            <a:r>
-              <a:rPr lang="en-GB" dirty="0" err="1" smtClean="0"/>
-              <a:t>CiscoWorks</a:t>
+              <a:t>Networking Tools : Wireshark</a:t>
             </a:r>
             <a:endParaRPr lang="en-GB" dirty="0"/>
           </a:p>
@@ -9980,40 +9942,47 @@
           <a:lstStyle/>
           <a:p>
             <a:r>
-              <a:rPr lang="en-GB" dirty="0" err="1" smtClean="0"/>
-              <a:t>CiscoWorks</a:t>
-            </a:r>
-            <a:r>
-              <a:rPr lang="en-GB" dirty="0" smtClean="0"/>
-              <a:t> can be used to aid the process of administration , configuration, monitoring and general troubleshooting of Cisco based networks.</a:t>
-            </a:r>
-          </a:p>
-          <a:p>
-            <a:r>
-              <a:rPr lang="en-GB" dirty="0" smtClean="0"/>
-              <a:t>Examples of this include:</a:t>
-            </a:r>
-          </a:p>
-          <a:p>
-            <a:pPr lvl="1"/>
-            <a:r>
-              <a:rPr lang="en-GB" dirty="0" smtClean="0"/>
-              <a:t>Increased accuracy and efficiency of network maintenance staff.</a:t>
-            </a:r>
-          </a:p>
-          <a:p>
-            <a:pPr lvl="1"/>
-            <a:r>
-              <a:rPr lang="en-GB" dirty="0" smtClean="0"/>
-              <a:t>Quickly identifying possible problems within the network and providing fixes and configuration suggestions to prevent such problems.</a:t>
-            </a:r>
-          </a:p>
-          <a:p>
-            <a:pPr lvl="1"/>
-            <a:r>
-              <a:rPr lang="en-GB" dirty="0" smtClean="0"/>
-              <a:t>Increasing the security of the network by displaying possible entry points.</a:t>
-            </a:r>
+              <a:rPr lang="en-GB" dirty="0" smtClean="0"/>
+              <a:t>“</a:t>
+            </a:r>
+            <a:r>
+              <a:rPr lang="en-GB" dirty="0"/>
+              <a:t>Wireshark is the world's foremost network protocol </a:t>
+            </a:r>
+            <a:r>
+              <a:rPr lang="en-GB" dirty="0" smtClean="0"/>
+              <a:t>analyser. </a:t>
+            </a:r>
+            <a:r>
+              <a:rPr lang="en-GB" dirty="0"/>
+              <a:t>It lets you see what's happening on your network at a microscopic level. It is the de facto (and often de jure) standard across many industries and educational </a:t>
+            </a:r>
+            <a:r>
+              <a:rPr lang="en-GB" dirty="0" smtClean="0"/>
+              <a:t>institutions”.</a:t>
+            </a:r>
+          </a:p>
+          <a:p>
+            <a:r>
+              <a:rPr lang="en-GB" dirty="0" smtClean="0"/>
+              <a:t>Wireshark displays traffic that has come through a wired connection. It then displays this information that </a:t>
+            </a:r>
+            <a:r>
+              <a:rPr lang="en-GB" dirty="0"/>
+              <a:t>can be filtered and </a:t>
+            </a:r>
+            <a:r>
+              <a:rPr lang="en-GB" dirty="0" smtClean="0"/>
+              <a:t>analysed by the user. </a:t>
+            </a:r>
+          </a:p>
+          <a:p>
+            <a:r>
+              <a:rPr lang="en-GB" dirty="0" smtClean="0"/>
+              <a:t>It is useful for checking that the network hasn't got any unwanted traffic.</a:t>
+            </a:r>
+          </a:p>
+          <a:p>
             <a:endParaRPr lang="en-GB" dirty="0"/>
           </a:p>
         </p:txBody>
@@ -10021,7 +9990,7 @@
     </p:spTree>
     <p:extLst>
       <p:ext uri="{BB962C8B-B14F-4D97-AF65-F5344CB8AC3E}">
-        <p14:creationId xmlns:p14="http://schemas.microsoft.com/office/powerpoint/2010/main" val="730529119"/>
+        <p14:creationId xmlns:p14="http://schemas.microsoft.com/office/powerpoint/2010/main" val="1542958647"/>
       </p:ext>
     </p:extLst>
   </p:cSld>
@@ -10069,7 +10038,7 @@
             </a:r>
             <a:r>
               <a:rPr lang="en-GB" dirty="0" err="1" smtClean="0"/>
-              <a:t>Whois</a:t>
+              <a:t>PsPing</a:t>
             </a:r>
             <a:endParaRPr lang="en-GB" dirty="0"/>
           </a:p>
@@ -10092,49 +10061,23 @@
           <a:p>
             <a:r>
               <a:rPr lang="en-GB" dirty="0" err="1" smtClean="0"/>
-              <a:t>Whois</a:t>
-            </a:r>
-            <a:r>
-              <a:rPr lang="en-GB" dirty="0" smtClean="0"/>
-              <a:t> tells the user information about the address it has entered.</a:t>
-            </a:r>
-          </a:p>
-          <a:p>
-            <a:r>
-              <a:rPr lang="en-GB" dirty="0" smtClean="0"/>
-              <a:t>The address can either be as an </a:t>
-            </a:r>
-            <a:r>
-              <a:rPr lang="en-GB" dirty="0" err="1" smtClean="0"/>
-              <a:t>ip</a:t>
-            </a:r>
-            <a:r>
-              <a:rPr lang="en-GB" dirty="0" smtClean="0"/>
-              <a:t> (66.193.254.46) or  a DNS name (</a:t>
-            </a:r>
-            <a:r>
-              <a:rPr lang="en-GB" dirty="0" smtClean="0">
-                <a:hlinkClick r:id="rId2"/>
-              </a:rPr>
-              <a:t>www.sysinternals.com</a:t>
-            </a:r>
-            <a:r>
-              <a:rPr lang="en-GB" dirty="0" smtClean="0"/>
-              <a:t>).</a:t>
-            </a:r>
-          </a:p>
-          <a:p>
-            <a:r>
-              <a:rPr lang="en-GB" dirty="0" smtClean="0"/>
-              <a:t>It can display information such as : who the device is registered to, where the device is, its </a:t>
-            </a:r>
-            <a:r>
-              <a:rPr lang="en-GB" dirty="0" err="1" smtClean="0"/>
-              <a:t>ip</a:t>
-            </a:r>
-            <a:r>
-              <a:rPr lang="en-GB" dirty="0" smtClean="0"/>
-              <a:t> etc.</a:t>
+              <a:t>PsPing</a:t>
+            </a:r>
+            <a:r>
+              <a:rPr lang="en-GB" dirty="0" smtClean="0"/>
+              <a:t> measures and monitors the levels of bandwidth, latency and ultimately ping between network devices.</a:t>
+            </a:r>
+          </a:p>
+          <a:p>
+            <a:r>
+              <a:rPr lang="en-GB" dirty="0" smtClean="0"/>
+              <a:t>It can also be used to display this information and show which addresses are the biggest and smallest users.</a:t>
+            </a:r>
+          </a:p>
+          <a:p>
+            <a:r>
+              <a:rPr lang="en-GB" dirty="0" smtClean="0"/>
+              <a:t>This is good for diagnosing slow areas in the network and improving them.</a:t>
             </a:r>
             <a:endParaRPr lang="en-GB" dirty="0"/>
           </a:p>
@@ -10143,7 +10086,7 @@
     </p:spTree>
     <p:extLst>
       <p:ext uri="{BB962C8B-B14F-4D97-AF65-F5344CB8AC3E}">
-        <p14:creationId xmlns:p14="http://schemas.microsoft.com/office/powerpoint/2010/main" val="1369972729"/>
+        <p14:creationId xmlns:p14="http://schemas.microsoft.com/office/powerpoint/2010/main" val="663778233"/>
       </p:ext>
     </p:extLst>
   </p:cSld>
@@ -10180,74 +10123,81 @@
             <p:ph type="title"/>
           </p:nvPr>
         </p:nvSpPr>
-        <p:spPr>
-          <a:xfrm>
-            <a:off x="1122629" y="2642126"/>
-            <a:ext cx="9404723" cy="1400530"/>
-          </a:xfrm>
-        </p:spPr>
-        <p:txBody>
-          <a:bodyPr/>
-          <a:lstStyle/>
-          <a:p>
-            <a:pPr algn="ctr"/>
-            <a:r>
-              <a:rPr lang="en-GB" sz="6000" dirty="0" smtClean="0"/>
-              <a:t>Emerging Technologies</a:t>
-            </a:r>
-            <a:endParaRPr lang="en-GB" sz="6000" dirty="0"/>
-          </a:p>
-        </p:txBody>
-      </p:sp>
-      <p:sp>
-        <p:nvSpPr>
-          <p:cNvPr id="3" name="Rectangle 2"/>
-          <p:cNvSpPr/>
-          <p:nvPr/>
-        </p:nvSpPr>
-        <p:spPr>
-          <a:xfrm>
-            <a:off x="4650397" y="5000944"/>
-            <a:ext cx="2698175" cy="369332"/>
-          </a:xfrm>
-          <a:prstGeom prst="rect">
-            <a:avLst/>
-          </a:prstGeom>
-        </p:spPr>
-        <p:txBody>
-          <a:bodyPr wrap="none">
-            <a:spAutoFit/>
-          </a:bodyPr>
-          <a:lstStyle/>
-          <a:p>
-            <a:r>
-              <a:rPr lang="en-GB" b="1" dirty="0">
-                <a:solidFill>
-                  <a:srgbClr val="FF0000"/>
-                </a:solidFill>
-              </a:rPr>
-              <a:t>This Needs </a:t>
-            </a:r>
-            <a:r>
-              <a:rPr lang="en-GB" b="1" dirty="0" smtClean="0">
-                <a:solidFill>
-                  <a:srgbClr val="FF0000"/>
-                </a:solidFill>
-              </a:rPr>
-              <a:t>More Detail</a:t>
-            </a:r>
-            <a:endParaRPr lang="en-GB" b="1" dirty="0">
-              <a:solidFill>
-                <a:srgbClr val="FF0000"/>
-              </a:solidFill>
-            </a:endParaRPr>
+        <p:spPr/>
+        <p:txBody>
+          <a:bodyPr/>
+          <a:lstStyle/>
+          <a:p>
+            <a:r>
+              <a:rPr lang="en-GB" dirty="0" smtClean="0"/>
+              <a:t>Networking Tools : </a:t>
+            </a:r>
+            <a:r>
+              <a:rPr lang="en-GB" dirty="0" err="1" smtClean="0"/>
+              <a:t>CiscoWorks</a:t>
+            </a:r>
+            <a:endParaRPr lang="en-GB" dirty="0"/>
+          </a:p>
+        </p:txBody>
+      </p:sp>
+      <p:sp>
+        <p:nvSpPr>
+          <p:cNvPr id="3" name="Content Placeholder 2"/>
+          <p:cNvSpPr>
+            <a:spLocks noGrp="1"/>
+          </p:cNvSpPr>
+          <p:nvPr>
+            <p:ph idx="1"/>
+          </p:nvPr>
+        </p:nvSpPr>
+        <p:spPr/>
+        <p:txBody>
+          <a:bodyPr/>
+          <a:lstStyle/>
+          <a:p>
+            <a:r>
+              <a:rPr lang="en-GB" dirty="0" err="1" smtClean="0"/>
+              <a:t>CiscoWorks</a:t>
+            </a:r>
+            <a:r>
+              <a:rPr lang="en-GB" dirty="0" smtClean="0"/>
+              <a:t> can be used to aid the process of administration , configuration, monitoring and general troubleshooting of Cisco based networks.</a:t>
+            </a:r>
+          </a:p>
+          <a:p>
+            <a:r>
+              <a:rPr lang="en-GB" dirty="0" smtClean="0"/>
+              <a:t>Examples of this include:</a:t>
+            </a:r>
+          </a:p>
+          <a:p>
+            <a:pPr lvl="1"/>
+            <a:r>
+              <a:rPr lang="en-GB" dirty="0" smtClean="0"/>
+              <a:t>Increased accuracy and efficiency of network maintenance staff.</a:t>
+            </a:r>
+          </a:p>
+          <a:p>
+            <a:pPr lvl="1"/>
+            <a:r>
+              <a:rPr lang="en-GB" dirty="0" smtClean="0"/>
+              <a:t>Quickly identifying possible problems within the network and providing fixes and configuration suggestions to prevent such problems.</a:t>
+            </a:r>
+          </a:p>
+          <a:p>
+            <a:pPr lvl="1"/>
+            <a:r>
+              <a:rPr lang="en-GB" dirty="0" smtClean="0"/>
+              <a:t>Increasing the security of the network by displaying possible entry points.</a:t>
+            </a:r>
+            <a:endParaRPr lang="en-GB" dirty="0"/>
           </a:p>
         </p:txBody>
       </p:sp>
     </p:spTree>
     <p:extLst>
       <p:ext uri="{BB962C8B-B14F-4D97-AF65-F5344CB8AC3E}">
-        <p14:creationId xmlns:p14="http://schemas.microsoft.com/office/powerpoint/2010/main" val="1508548463"/>
+        <p14:creationId xmlns:p14="http://schemas.microsoft.com/office/powerpoint/2010/main" val="730529119"/>
       </p:ext>
     </p:extLst>
   </p:cSld>
@@ -10289,108 +10239,78 @@
           <a:bodyPr/>
           <a:lstStyle/>
           <a:p>
-            <a:pPr lvl="1"/>
-            <a:r>
-              <a:rPr lang="en-GB" sz="4200" kern="1200" dirty="0">
-                <a:latin typeface="+mj-lt"/>
-                <a:ea typeface="+mj-ea"/>
-                <a:cs typeface="+mj-cs"/>
+            <a:r>
+              <a:rPr lang="en-GB" dirty="0" smtClean="0"/>
+              <a:t>Networking Tools : </a:t>
+            </a:r>
+            <a:r>
+              <a:rPr lang="en-GB" dirty="0" err="1" smtClean="0"/>
+              <a:t>Whois</a:t>
+            </a:r>
+            <a:endParaRPr lang="en-GB" dirty="0"/>
+          </a:p>
+        </p:txBody>
+      </p:sp>
+      <p:sp>
+        <p:nvSpPr>
+          <p:cNvPr id="3" name="Content Placeholder 2"/>
+          <p:cNvSpPr>
+            <a:spLocks noGrp="1"/>
+          </p:cNvSpPr>
+          <p:nvPr>
+            <p:ph idx="1"/>
+          </p:nvPr>
+        </p:nvSpPr>
+        <p:spPr/>
+        <p:txBody>
+          <a:bodyPr/>
+          <a:lstStyle/>
+          <a:p>
+            <a:r>
+              <a:rPr lang="en-GB" dirty="0" err="1" smtClean="0"/>
+              <a:t>Whois</a:t>
+            </a:r>
+            <a:r>
+              <a:rPr lang="en-GB" dirty="0" smtClean="0"/>
+              <a:t> tells the user information about the address it has entered.</a:t>
+            </a:r>
+          </a:p>
+          <a:p>
+            <a:r>
+              <a:rPr lang="en-GB" dirty="0" smtClean="0"/>
+              <a:t>The address can either be as an </a:t>
+            </a:r>
+            <a:r>
+              <a:rPr lang="en-GB" dirty="0" err="1" smtClean="0"/>
+              <a:t>ip</a:t>
+            </a:r>
+            <a:r>
+              <a:rPr lang="en-GB" dirty="0" smtClean="0"/>
+              <a:t> (66.193.254.46) or  a DNS name (</a:t>
+            </a:r>
+            <a:r>
+              <a:rPr lang="en-GB" dirty="0" smtClean="0">
+                <a:hlinkClick r:id="rId2"/>
               </a:rPr>
-              <a:t>Advances in robotics</a:t>
-            </a:r>
-            <a:r>
-              <a:rPr lang="en-GB" dirty="0"/>
-              <a:t/>
-            </a:r>
-            <a:br>
-              <a:rPr lang="en-GB" dirty="0"/>
-            </a:br>
-            <a:endParaRPr lang="en-GB" dirty="0"/>
-          </a:p>
-        </p:txBody>
-      </p:sp>
-      <p:sp>
-        <p:nvSpPr>
-          <p:cNvPr id="3" name="Content Placeholder 2"/>
-          <p:cNvSpPr>
-            <a:spLocks noGrp="1"/>
-          </p:cNvSpPr>
-          <p:nvPr>
-            <p:ph idx="1"/>
-          </p:nvPr>
-        </p:nvSpPr>
-        <p:spPr/>
-        <p:txBody>
-          <a:bodyPr>
-            <a:normAutofit fontScale="85000" lnSpcReduction="10000"/>
-          </a:bodyPr>
-          <a:lstStyle/>
-          <a:p>
-            <a:r>
-              <a:rPr lang="en-GB" dirty="0" smtClean="0"/>
-              <a:t>Robotics in the near future will be boasting fully automated lifelike robots that can complete some quite complex tasks.</a:t>
-            </a:r>
-          </a:p>
-          <a:p>
-            <a:r>
-              <a:rPr lang="en-GB" dirty="0" smtClean="0"/>
-              <a:t>This will effect networking in ways such as:</a:t>
-            </a:r>
-          </a:p>
-          <a:p>
-            <a:pPr lvl="1"/>
-            <a:r>
-              <a:rPr lang="en-GB" dirty="0" smtClean="0"/>
-              <a:t>Mundane/low skill tasks such as drive replacement.</a:t>
-            </a:r>
-          </a:p>
-          <a:p>
-            <a:pPr lvl="1"/>
-            <a:r>
-              <a:rPr lang="en-GB" dirty="0" smtClean="0"/>
-              <a:t>Being able to work in conditions not suitable for people (long days etc.)</a:t>
-            </a:r>
-          </a:p>
-          <a:p>
-            <a:pPr lvl="1"/>
-            <a:r>
-              <a:rPr lang="en-GB" dirty="0" smtClean="0"/>
-              <a:t>Being able to send a robot along cable trays/conduit to identify and fix errors.</a:t>
-            </a:r>
-          </a:p>
-          <a:p>
-            <a:pPr lvl="1"/>
-            <a:r>
-              <a:rPr lang="en-GB" dirty="0" smtClean="0"/>
-              <a:t>Being able to be always connected to the network/computer without having to carry a laptop.</a:t>
-            </a:r>
-          </a:p>
-          <a:p>
-            <a:pPr lvl="1"/>
-            <a:r>
-              <a:rPr lang="en-GB" dirty="0" smtClean="0"/>
-              <a:t>Being able to work inside cables (maybe a bit further away).</a:t>
-            </a:r>
-          </a:p>
-          <a:p>
-            <a:pPr lvl="1"/>
-            <a:r>
-              <a:rPr lang="en-GB" dirty="0" smtClean="0"/>
-              <a:t>Working undersea for tasks such as inspecting or pulling cables between countries.</a:t>
-            </a:r>
-          </a:p>
-          <a:p>
-            <a:pPr lvl="1"/>
-            <a:r>
-              <a:rPr lang="en-GB" dirty="0" smtClean="0"/>
-              <a:t>Can be used as a portable wireless access point for workers.</a:t>
-            </a:r>
-          </a:p>
-          <a:p>
-            <a:pPr lvl="1"/>
-            <a:r>
-              <a:rPr lang="en-GB" dirty="0" smtClean="0"/>
-              <a:t>Can be placed in space to work on satellites in very low conditions.</a:t>
+              <a:t>www.sysinternals.com</a:t>
+            </a:r>
+            <a:r>
+              <a:rPr lang="en-GB" dirty="0" smtClean="0"/>
+              <a:t>).</a:t>
+            </a:r>
+          </a:p>
+          <a:p>
+            <a:r>
+              <a:rPr lang="en-GB" dirty="0" smtClean="0"/>
+              <a:t>It can display information such as : who the device is registered to, where the device is, its </a:t>
+            </a:r>
+            <a:r>
+              <a:rPr lang="en-GB" dirty="0" err="1" smtClean="0"/>
+              <a:t>ip</a:t>
+            </a:r>
+            <a:r>
+              <a:rPr lang="en-GB" dirty="0" smtClean="0"/>
+              <a:t> etc.</a:t>
             </a:r>
             <a:endParaRPr lang="en-GB" dirty="0"/>
           </a:p>
@@ -10399,7 +10319,7 @@
     </p:spTree>
     <p:extLst>
       <p:ext uri="{BB962C8B-B14F-4D97-AF65-F5344CB8AC3E}">
-        <p14:creationId xmlns:p14="http://schemas.microsoft.com/office/powerpoint/2010/main" val="2652141545"/>
+        <p14:creationId xmlns:p14="http://schemas.microsoft.com/office/powerpoint/2010/main" val="1369972729"/>
       </p:ext>
     </p:extLst>
   </p:cSld>
@@ -10436,62 +10356,29 @@
             <p:ph type="title"/>
           </p:nvPr>
         </p:nvSpPr>
-        <p:spPr/>
-        <p:txBody>
-          <a:bodyPr/>
-          <a:lstStyle/>
-          <a:p>
-            <a:r>
-              <a:rPr lang="en-GB" dirty="0" smtClean="0"/>
-              <a:t>Integrated Systems</a:t>
-            </a:r>
-            <a:endParaRPr lang="en-GB" dirty="0"/>
-          </a:p>
-        </p:txBody>
-      </p:sp>
-      <p:pic>
-        <p:nvPicPr>
-          <p:cNvPr id="1026" name="Picture 2" descr="http://trameltonis.com/sites/default/files/intro.jpg"/>
-          <p:cNvPicPr>
-            <a:picLocks noChangeAspect="1" noChangeArrowheads="1"/>
-          </p:cNvPicPr>
-          <p:nvPr/>
-        </p:nvPicPr>
-        <p:blipFill rotWithShape="1">
-          <a:blip r:embed="rId2">
-            <a:extLst>
-              <a:ext uri="{28A0092B-C50C-407E-A947-70E740481C1C}">
-                <a14:useLocalDpi xmlns:a14="http://schemas.microsoft.com/office/drawing/2010/main" val="0"/>
-              </a:ext>
-            </a:extLst>
-          </a:blip>
-          <a:srcRect l="15703" t="9767" r="18792" b="22794"/>
-          <a:stretch/>
-        </p:blipFill>
-        <p:spPr bwMode="auto">
+        <p:spPr>
           <a:xfrm>
-            <a:off x="2424798" y="1443790"/>
-            <a:ext cx="5847347" cy="4312822"/>
+            <a:off x="1122629" y="2642126"/>
+            <a:ext cx="9404723" cy="1400530"/>
           </a:xfrm>
-          <a:prstGeom prst="rect">
-            <a:avLst/>
-          </a:prstGeom>
-          <a:noFill/>
-          <a:extLst>
-            <a:ext uri="{909E8E84-426E-40DD-AFC4-6F175D3DCCD1}">
-              <a14:hiddenFill xmlns:a14="http://schemas.microsoft.com/office/drawing/2010/main">
-                <a:solidFill>
-                  <a:srgbClr val="FFFFFF"/>
-                </a:solidFill>
-              </a14:hiddenFill>
-            </a:ext>
-          </a:extLst>
         </p:spPr>
-      </p:pic>
+        <p:txBody>
+          <a:bodyPr/>
+          <a:lstStyle/>
+          <a:p>
+            <a:pPr algn="ctr"/>
+            <a:r>
+              <a:rPr lang="en-GB" sz="6000" dirty="0" smtClean="0"/>
+              <a:t>Emerging Technologies</a:t>
+            </a:r>
+            <a:endParaRPr lang="en-GB" sz="6000" dirty="0"/>
+          </a:p>
+        </p:txBody>
+      </p:sp>
     </p:spTree>
     <p:extLst>
       <p:ext uri="{BB962C8B-B14F-4D97-AF65-F5344CB8AC3E}">
-        <p14:creationId xmlns:p14="http://schemas.microsoft.com/office/powerpoint/2010/main" val="4046192239"/>
+        <p14:creationId xmlns:p14="http://schemas.microsoft.com/office/powerpoint/2010/main" val="1508548463"/>
       </p:ext>
     </p:extLst>
   </p:cSld>
@@ -10535,89 +10422,52 @@
           <a:p>
             <a:pPr lvl="1"/>
             <a:r>
-              <a:rPr lang="en-GB" sz="4200" kern="1200" dirty="0">
-                <a:latin typeface="+mj-lt"/>
-                <a:ea typeface="+mj-ea"/>
-                <a:cs typeface="+mj-cs"/>
-              </a:rPr>
-              <a:t>Integrated </a:t>
-            </a:r>
-            <a:r>
               <a:rPr lang="en-GB" sz="4200" kern="1200" dirty="0" smtClean="0">
                 <a:latin typeface="+mj-lt"/>
                 <a:ea typeface="+mj-ea"/>
                 <a:cs typeface="+mj-cs"/>
               </a:rPr>
-              <a:t>Systems</a:t>
-            </a:r>
-            <a:r>
-              <a:rPr lang="en-GB" sz="4200" kern="1200" dirty="0">
-                <a:latin typeface="+mj-lt"/>
-                <a:ea typeface="+mj-ea"/>
-                <a:cs typeface="+mj-cs"/>
-              </a:rPr>
+              <a:t>Machine learning</a:t>
+            </a:r>
+            <a:r>
+              <a:rPr lang="en-GB" dirty="0"/>
               <a:t/>
             </a:r>
             <a:br>
-              <a:rPr lang="en-GB" sz="4200" kern="1200" dirty="0">
-                <a:latin typeface="+mj-lt"/>
-                <a:ea typeface="+mj-ea"/>
-                <a:cs typeface="+mj-cs"/>
-              </a:rPr>
+              <a:rPr lang="en-GB" dirty="0"/>
             </a:br>
-            <a:endParaRPr lang="en-GB" sz="4200" kern="1200" dirty="0">
-              <a:latin typeface="+mj-lt"/>
-              <a:ea typeface="+mj-ea"/>
-              <a:cs typeface="+mj-cs"/>
-            </a:endParaRPr>
-          </a:p>
-        </p:txBody>
-      </p:sp>
-      <p:sp>
-        <p:nvSpPr>
-          <p:cNvPr id="3" name="Content Placeholder 2"/>
-          <p:cNvSpPr>
-            <a:spLocks noGrp="1"/>
-          </p:cNvSpPr>
-          <p:nvPr>
-            <p:ph idx="1"/>
-          </p:nvPr>
-        </p:nvSpPr>
-        <p:spPr/>
-        <p:txBody>
-          <a:bodyPr/>
-          <a:lstStyle/>
-          <a:p>
-            <a:r>
-              <a:rPr lang="en-GB" dirty="0" smtClean="0"/>
-              <a:t>Integrated systems combine existing systems to create one overarching system that controls everything.</a:t>
-            </a:r>
-          </a:p>
-          <a:p>
-            <a:r>
-              <a:rPr lang="en-GB" dirty="0" smtClean="0"/>
-              <a:t>This means that within a building every piece of hardware from radiators to network switches can be controlled from one piece of software. </a:t>
-            </a:r>
-          </a:p>
-          <a:p>
-            <a:r>
-              <a:rPr lang="en-GB" dirty="0" smtClean="0"/>
-              <a:t>This means that maintenance of the network can be done remotely and in a lot less time.</a:t>
-            </a:r>
-          </a:p>
-          <a:p>
-            <a:r>
-              <a:rPr lang="en-GB" dirty="0" smtClean="0"/>
-              <a:t>Integrated systems also pose the threat of hackers. As of the great power the user has from one computer it means that they are prime targets to hack/steal data from.</a:t>
-            </a:r>
             <a:endParaRPr lang="en-GB" dirty="0"/>
           </a:p>
         </p:txBody>
       </p:sp>
+      <p:pic>
+        <p:nvPicPr>
+          <p:cNvPr id="6" name="Picture 5"/>
+          <p:cNvPicPr>
+            <a:picLocks noChangeAspect="1"/>
+          </p:cNvPicPr>
+          <p:nvPr/>
+        </p:nvPicPr>
+        <p:blipFill>
+          <a:blip r:embed="rId2"/>
+          <a:stretch>
+            <a:fillRect/>
+          </a:stretch>
+        </p:blipFill>
+        <p:spPr>
+          <a:xfrm>
+            <a:off x="3332748" y="1647574"/>
+            <a:ext cx="4652962" cy="4652962"/>
+          </a:xfrm>
+          <a:prstGeom prst="rect">
+            <a:avLst/>
+          </a:prstGeom>
+        </p:spPr>
+      </p:pic>
     </p:spTree>
     <p:extLst>
       <p:ext uri="{BB962C8B-B14F-4D97-AF65-F5344CB8AC3E}">
-        <p14:creationId xmlns:p14="http://schemas.microsoft.com/office/powerpoint/2010/main" val="4030768997"/>
+        <p14:creationId xmlns:p14="http://schemas.microsoft.com/office/powerpoint/2010/main" val="2652141545"/>
       </p:ext>
     </p:extLst>
   </p:cSld>
@@ -10822,28 +10672,87 @@
           <a:lstStyle/>
           <a:p>
             <a:r>
-              <a:rPr lang="en-GB" dirty="0" smtClean="0"/>
-              <a:t>Integrated Systems - Examples</a:t>
-            </a:r>
+              <a:rPr lang="en-GB" dirty="0"/>
+              <a:t>Machine learning</a:t>
+            </a:r>
+          </a:p>
+        </p:txBody>
+      </p:sp>
+      <p:sp>
+        <p:nvSpPr>
+          <p:cNvPr id="3" name="Content Placeholder 2"/>
+          <p:cNvSpPr>
+            <a:spLocks noGrp="1"/>
+          </p:cNvSpPr>
+          <p:nvPr>
+            <p:ph idx="1"/>
+          </p:nvPr>
+        </p:nvSpPr>
+        <p:spPr/>
+        <p:txBody>
+          <a:bodyPr>
+            <a:normAutofit/>
+          </a:bodyPr>
+          <a:lstStyle/>
+          <a:p>
+            <a:pPr>
+              <a:buFont typeface="Arial" panose="020B0604020202020204" pitchFamily="34" charset="0"/>
+              <a:buChar char="•"/>
+            </a:pPr>
+            <a:r>
+              <a:rPr lang="en-US" dirty="0"/>
+              <a:t>Machine Learning is </a:t>
+            </a:r>
+            <a:r>
+              <a:rPr lang="en-US" dirty="0" smtClean="0"/>
+              <a:t>a field </a:t>
+            </a:r>
+            <a:r>
+              <a:rPr lang="en-US" dirty="0"/>
+              <a:t>of Mathematics and Computer Science that specializes in computer programs </a:t>
+            </a:r>
+            <a:r>
+              <a:rPr lang="en-US" dirty="0" smtClean="0"/>
+              <a:t>can ‘learn’ off of experiences and outcomes.</a:t>
+            </a:r>
+            <a:endParaRPr lang="en-US" dirty="0"/>
+          </a:p>
+          <a:p>
+            <a:pPr>
+              <a:buFont typeface="Arial" panose="020B0604020202020204" pitchFamily="34" charset="0"/>
+              <a:buChar char="•"/>
+            </a:pPr>
+            <a:r>
+              <a:rPr lang="en-US" dirty="0" smtClean="0"/>
+              <a:t>Machine </a:t>
+            </a:r>
+            <a:r>
+              <a:rPr lang="en-US" dirty="0"/>
+              <a:t>Learning can have a huge impact on networking. With the addition of machine learning technologies, networks become much more adaptable and resilient. </a:t>
+            </a:r>
+            <a:r>
+              <a:rPr lang="en-US" dirty="0" smtClean="0"/>
+              <a:t>This means that in the future, a network could find mistakes in a network and fix itself/redirect the stream to fix the problem, very similar to the human brain. </a:t>
+            </a:r>
+            <a:endParaRPr lang="en-US" dirty="0"/>
+          </a:p>
+          <a:p>
+            <a:pPr>
+              <a:buFont typeface="Arial" panose="020B0604020202020204" pitchFamily="34" charset="0"/>
+              <a:buChar char="•"/>
+            </a:pPr>
+            <a:r>
+              <a:rPr lang="en-US" dirty="0"/>
+              <a:t>As machine learning systems require data to train on, it can take a while before a learning network can correctly optimize, however when it does results can surpass those of algorithmic optimization. </a:t>
+            </a:r>
+          </a:p>
+          <a:p>
             <a:endParaRPr lang="en-GB" dirty="0"/>
           </a:p>
-        </p:txBody>
-      </p:sp>
-      <p:sp>
-        <p:nvSpPr>
-          <p:cNvPr id="3" name="Content Placeholder 2"/>
-          <p:cNvSpPr>
-            <a:spLocks noGrp="1"/>
-          </p:cNvSpPr>
-          <p:nvPr>
-            <p:ph idx="1"/>
-          </p:nvPr>
-        </p:nvSpPr>
-        <p:spPr/>
-        <p:txBody>
-          <a:bodyPr/>
-          <a:lstStyle/>
-          <a:p>
+          <a:p>
+            <a:pPr marL="0" indent="0">
+              <a:buNone/>
+            </a:pPr>
             <a:endParaRPr lang="en-GB" dirty="0"/>
           </a:p>
         </p:txBody>
@@ -10851,7 +10760,7 @@
     </p:spTree>
     <p:extLst>
       <p:ext uri="{BB962C8B-B14F-4D97-AF65-F5344CB8AC3E}">
-        <p14:creationId xmlns:p14="http://schemas.microsoft.com/office/powerpoint/2010/main" val="2852522472"/>
+        <p14:creationId xmlns:p14="http://schemas.microsoft.com/office/powerpoint/2010/main" val="4235001890"/>
       </p:ext>
     </p:extLst>
   </p:cSld>
@@ -10893,45 +10802,9 @@
           <a:bodyPr/>
           <a:lstStyle/>
           <a:p>
-            <a:pPr lvl="1" algn="l" defTabSz="457200" rtl="0">
-              <a:spcBef>
-                <a:spcPct val="0"/>
-              </a:spcBef>
-            </a:pPr>
-            <a:r>
-              <a:rPr lang="en-GB" sz="4200" kern="1200" dirty="0">
-                <a:latin typeface="+mj-lt"/>
-                <a:ea typeface="+mj-ea"/>
-                <a:cs typeface="+mj-cs"/>
-              </a:rPr>
-              <a:t>Emerging Technologies : </a:t>
-            </a:r>
-            <a:r>
-              <a:rPr lang="en-GB" sz="4200" kern="1200" dirty="0" smtClean="0">
-                <a:latin typeface="+mj-lt"/>
-                <a:ea typeface="+mj-ea"/>
-                <a:cs typeface="+mj-cs"/>
-              </a:rPr>
-              <a:t>Data </a:t>
-            </a:r>
-            <a:r>
-              <a:rPr lang="en-GB" sz="4200" kern="1200" dirty="0">
-                <a:latin typeface="+mj-lt"/>
-                <a:ea typeface="+mj-ea"/>
-                <a:cs typeface="+mj-cs"/>
-              </a:rPr>
-              <a:t>centre management</a:t>
-            </a:r>
-            <a:r>
-              <a:rPr lang="en-GB" dirty="0"/>
-              <a:t/>
-            </a:r>
-            <a:br>
-              <a:rPr lang="en-GB" dirty="0"/>
-            </a:br>
-            <a:r>
-              <a:rPr lang="en-GB" dirty="0" smtClean="0"/>
-              <a:t> </a:t>
+            <a:r>
+              <a:rPr lang="en-GB" dirty="0" smtClean="0"/>
+              <a:t>How it can affect a network</a:t>
             </a:r>
             <a:endParaRPr lang="en-GB" dirty="0"/>
           </a:p>
@@ -10954,25 +10827,19 @@
           <a:p>
             <a:r>
               <a:rPr lang="en-GB" dirty="0" smtClean="0"/>
-              <a:t>For developing businesses, data centres provider a low start-up cost but highly capable solution for storing data.</a:t>
-            </a:r>
-          </a:p>
-          <a:p>
-            <a:r>
-              <a:rPr lang="en-GB" dirty="0" smtClean="0"/>
-              <a:t>It means that the business can hand all of their data over to an expert in data management without having to have to directly employ them.</a:t>
-            </a:r>
-          </a:p>
-          <a:p>
-            <a:r>
-              <a:rPr lang="en-GB" dirty="0" smtClean="0"/>
-              <a:t>This means that the data centre will use its pre-existing networks and cabling to add your network to.</a:t>
-            </a:r>
-          </a:p>
-          <a:p>
-            <a:r>
-              <a:rPr lang="en-GB" dirty="0" smtClean="0"/>
-              <a:t>The disadvantage of this is that the data centre needs to make a profit and so in the long run it will be more expensive than building the network yourself.</a:t>
+              <a:t>Machine learning can affect a network in many ways.</a:t>
+            </a:r>
+          </a:p>
+          <a:p>
+            <a:r>
+              <a:rPr lang="en-GB" dirty="0" smtClean="0"/>
+              <a:t>Network devices can change there states depending on how the network is being used. This means that the network will always be the most effective for the job in hand rather than just for one purpose. This could be done from changing the packet switching methods in a switch to the topology of the network.</a:t>
+            </a:r>
+          </a:p>
+          <a:p>
+            <a:r>
+              <a:rPr lang="en-GB" dirty="0" smtClean="0"/>
+              <a:t>This method could also be used for unresponsive nodes. If one node drops frequently under load, a machine learning algorithm could be used and it would try to send less traffic through those nodes. This would then increase the reliability of the network.</a:t>
             </a:r>
             <a:endParaRPr lang="en-GB" dirty="0"/>
           </a:p>
@@ -10981,7 +10848,7 @@
     </p:spTree>
     <p:extLst>
       <p:ext uri="{BB962C8B-B14F-4D97-AF65-F5344CB8AC3E}">
-        <p14:creationId xmlns:p14="http://schemas.microsoft.com/office/powerpoint/2010/main" val="4218360136"/>
+        <p14:creationId xmlns:p14="http://schemas.microsoft.com/office/powerpoint/2010/main" val="4182662383"/>
       </p:ext>
     </p:extLst>
   </p:cSld>
@@ -10992,6 +10859,571 @@
 </file>
 
 <file path=ppt/slides/slide42.xml><?xml version="1.0" encoding="utf-8"?>
+<p:sld xmlns:a="http://schemas.openxmlformats.org/drawingml/2006/main" xmlns:r="http://schemas.openxmlformats.org/officeDocument/2006/relationships" xmlns:p="http://schemas.openxmlformats.org/presentationml/2006/main">
+  <p:cSld>
+    <p:spTree>
+      <p:nvGrpSpPr>
+        <p:cNvPr id="1" name=""/>
+        <p:cNvGrpSpPr/>
+        <p:nvPr/>
+      </p:nvGrpSpPr>
+      <p:grpSpPr>
+        <a:xfrm>
+          <a:off x="0" y="0"/>
+          <a:ext cx="0" cy="0"/>
+          <a:chOff x="0" y="0"/>
+          <a:chExt cx="0" cy="0"/>
+        </a:xfrm>
+      </p:grpSpPr>
+      <p:sp>
+        <p:nvSpPr>
+          <p:cNvPr id="2" name="Title 1"/>
+          <p:cNvSpPr>
+            <a:spLocks noGrp="1"/>
+          </p:cNvSpPr>
+          <p:nvPr>
+            <p:ph type="title"/>
+          </p:nvPr>
+        </p:nvSpPr>
+        <p:spPr/>
+        <p:txBody>
+          <a:bodyPr/>
+          <a:lstStyle/>
+          <a:p>
+            <a:r>
+              <a:rPr lang="en-GB" dirty="0"/>
+              <a:t>Quantum Computing</a:t>
+            </a:r>
+          </a:p>
+        </p:txBody>
+      </p:sp>
+      <p:pic>
+        <p:nvPicPr>
+          <p:cNvPr id="4" name="Picture 3"/>
+          <p:cNvPicPr>
+            <a:picLocks noChangeAspect="1"/>
+          </p:cNvPicPr>
+          <p:nvPr/>
+        </p:nvPicPr>
+        <p:blipFill>
+          <a:blip r:embed="rId2"/>
+          <a:stretch>
+            <a:fillRect/>
+          </a:stretch>
+        </p:blipFill>
+        <p:spPr>
+          <a:xfrm>
+            <a:off x="2077888" y="1408080"/>
+            <a:ext cx="6541168" cy="4807758"/>
+          </a:xfrm>
+          <a:prstGeom prst="rect">
+            <a:avLst/>
+          </a:prstGeom>
+        </p:spPr>
+      </p:pic>
+    </p:spTree>
+    <p:extLst>
+      <p:ext uri="{BB962C8B-B14F-4D97-AF65-F5344CB8AC3E}">
+        <p14:creationId xmlns:p14="http://schemas.microsoft.com/office/powerpoint/2010/main" val="1630645211"/>
+      </p:ext>
+    </p:extLst>
+  </p:cSld>
+  <p:clrMapOvr>
+    <a:masterClrMapping/>
+  </p:clrMapOvr>
+</p:sld>
+</file>
+
+<file path=ppt/slides/slide43.xml><?xml version="1.0" encoding="utf-8"?>
+<p:sld xmlns:a="http://schemas.openxmlformats.org/drawingml/2006/main" xmlns:r="http://schemas.openxmlformats.org/officeDocument/2006/relationships" xmlns:p="http://schemas.openxmlformats.org/presentationml/2006/main">
+  <p:cSld>
+    <p:spTree>
+      <p:nvGrpSpPr>
+        <p:cNvPr id="1" name=""/>
+        <p:cNvGrpSpPr/>
+        <p:nvPr/>
+      </p:nvGrpSpPr>
+      <p:grpSpPr>
+        <a:xfrm>
+          <a:off x="0" y="0"/>
+          <a:ext cx="0" cy="0"/>
+          <a:chOff x="0" y="0"/>
+          <a:chExt cx="0" cy="0"/>
+        </a:xfrm>
+      </p:grpSpPr>
+      <p:sp>
+        <p:nvSpPr>
+          <p:cNvPr id="2" name="Title 1"/>
+          <p:cNvSpPr>
+            <a:spLocks noGrp="1"/>
+          </p:cNvSpPr>
+          <p:nvPr>
+            <p:ph type="title"/>
+          </p:nvPr>
+        </p:nvSpPr>
+        <p:spPr/>
+        <p:txBody>
+          <a:bodyPr/>
+          <a:lstStyle/>
+          <a:p>
+            <a:r>
+              <a:rPr lang="en-GB" dirty="0"/>
+              <a:t>Quantum Computing</a:t>
+            </a:r>
+          </a:p>
+        </p:txBody>
+      </p:sp>
+      <p:sp>
+        <p:nvSpPr>
+          <p:cNvPr id="3" name="Content Placeholder 2"/>
+          <p:cNvSpPr>
+            <a:spLocks noGrp="1"/>
+          </p:cNvSpPr>
+          <p:nvPr>
+            <p:ph idx="1"/>
+          </p:nvPr>
+        </p:nvSpPr>
+        <p:spPr/>
+        <p:txBody>
+          <a:bodyPr>
+            <a:normAutofit fontScale="85000" lnSpcReduction="10000"/>
+          </a:bodyPr>
+          <a:lstStyle/>
+          <a:p>
+            <a:r>
+              <a:rPr lang="en-US" dirty="0"/>
+              <a:t>Research on quantum computing first began in the 1980s and while research still continues, quantum computing is still in its infancy.</a:t>
+            </a:r>
+          </a:p>
+          <a:p>
+            <a:r>
+              <a:rPr lang="en-US" dirty="0"/>
+              <a:t>D-Wave Systems Inc. demonstrated the Orion system, a prototype quantum computer, in 2007. Since then they have developed and released the D-Wave One, a business and research grade computer platform</a:t>
+            </a:r>
+            <a:r>
+              <a:rPr lang="en-US" dirty="0" smtClean="0"/>
+              <a:t>.</a:t>
+            </a:r>
+            <a:endParaRPr lang="en-US" dirty="0"/>
+          </a:p>
+          <a:p>
+            <a:r>
+              <a:rPr lang="en-US" dirty="0"/>
+              <a:t>Quantum Computing could have a huge impact on networking, requiring new techniques to be employed by network designers to handle the large amount of information processed. While a quantum computer could communicate using a regular network, they can also communicate using quantum networks.</a:t>
+            </a:r>
+          </a:p>
+          <a:p>
+            <a:r>
+              <a:rPr lang="en-US" dirty="0"/>
+              <a:t>Quantum networks are concept for a network where the data exchanged stays in a quantum state, generally using fiber optic cables to send photons in different quantum states. This method allows for quantum computers to communicate in a more natural way. This would require new training and protocols in order to formalize quantum network standards.</a:t>
+            </a:r>
+            <a:endParaRPr lang="en-GB" dirty="0"/>
+          </a:p>
+          <a:p>
+            <a:endParaRPr lang="en-GB" dirty="0"/>
+          </a:p>
+        </p:txBody>
+      </p:sp>
+    </p:spTree>
+    <p:extLst>
+      <p:ext uri="{BB962C8B-B14F-4D97-AF65-F5344CB8AC3E}">
+        <p14:creationId xmlns:p14="http://schemas.microsoft.com/office/powerpoint/2010/main" val="1420712134"/>
+      </p:ext>
+    </p:extLst>
+  </p:cSld>
+  <p:clrMapOvr>
+    <a:masterClrMapping/>
+  </p:clrMapOvr>
+</p:sld>
+</file>
+
+<file path=ppt/slides/slide44.xml><?xml version="1.0" encoding="utf-8"?>
+<p:sld xmlns:a="http://schemas.openxmlformats.org/drawingml/2006/main" xmlns:r="http://schemas.openxmlformats.org/officeDocument/2006/relationships" xmlns:p="http://schemas.openxmlformats.org/presentationml/2006/main">
+  <p:cSld>
+    <p:spTree>
+      <p:nvGrpSpPr>
+        <p:cNvPr id="1" name=""/>
+        <p:cNvGrpSpPr/>
+        <p:nvPr/>
+      </p:nvGrpSpPr>
+      <p:grpSpPr>
+        <a:xfrm>
+          <a:off x="0" y="0"/>
+          <a:ext cx="0" cy="0"/>
+          <a:chOff x="0" y="0"/>
+          <a:chExt cx="0" cy="0"/>
+        </a:xfrm>
+      </p:grpSpPr>
+      <p:sp>
+        <p:nvSpPr>
+          <p:cNvPr id="2" name="Title 1"/>
+          <p:cNvSpPr>
+            <a:spLocks noGrp="1"/>
+          </p:cNvSpPr>
+          <p:nvPr>
+            <p:ph type="title"/>
+          </p:nvPr>
+        </p:nvSpPr>
+        <p:spPr/>
+        <p:txBody>
+          <a:bodyPr/>
+          <a:lstStyle/>
+          <a:p>
+            <a:r>
+              <a:rPr lang="en-GB" dirty="0" smtClean="0"/>
+              <a:t>How it can affect a network</a:t>
+            </a:r>
+            <a:endParaRPr lang="en-GB" dirty="0"/>
+          </a:p>
+        </p:txBody>
+      </p:sp>
+      <p:sp>
+        <p:nvSpPr>
+          <p:cNvPr id="3" name="Content Placeholder 2"/>
+          <p:cNvSpPr>
+            <a:spLocks noGrp="1"/>
+          </p:cNvSpPr>
+          <p:nvPr>
+            <p:ph idx="1"/>
+          </p:nvPr>
+        </p:nvSpPr>
+        <p:spPr/>
+        <p:txBody>
+          <a:bodyPr/>
+          <a:lstStyle/>
+          <a:p>
+            <a:r>
+              <a:rPr lang="en-GB" dirty="0" smtClean="0"/>
+              <a:t>Quantum computing is coming soon and I going to be very powerful in networks.</a:t>
+            </a:r>
+          </a:p>
+          <a:p>
+            <a:r>
+              <a:rPr lang="en-GB" dirty="0" smtClean="0"/>
+              <a:t>Due to the way that quantum computing works, they cannot be integrated into todays networks. This means there will need to be a new standard for networking.</a:t>
+            </a:r>
+          </a:p>
+          <a:p>
+            <a:r>
+              <a:rPr lang="en-GB" dirty="0" smtClean="0"/>
+              <a:t>This new standard would probably use protons to share information along fibre optic style cables. This would carry lots more information in one pulse and the pulses would travel a lot faster.</a:t>
+            </a:r>
+            <a:endParaRPr lang="en-GB" dirty="0"/>
+          </a:p>
+        </p:txBody>
+      </p:sp>
+    </p:spTree>
+    <p:extLst>
+      <p:ext uri="{BB962C8B-B14F-4D97-AF65-F5344CB8AC3E}">
+        <p14:creationId xmlns:p14="http://schemas.microsoft.com/office/powerpoint/2010/main" val="2697938573"/>
+      </p:ext>
+    </p:extLst>
+  </p:cSld>
+  <p:clrMapOvr>
+    <a:masterClrMapping/>
+  </p:clrMapOvr>
+</p:sld>
+</file>
+
+<file path=ppt/slides/slide45.xml><?xml version="1.0" encoding="utf-8"?>
+<p:sld xmlns:a="http://schemas.openxmlformats.org/drawingml/2006/main" xmlns:r="http://schemas.openxmlformats.org/officeDocument/2006/relationships" xmlns:p="http://schemas.openxmlformats.org/presentationml/2006/main">
+  <p:cSld>
+    <p:spTree>
+      <p:nvGrpSpPr>
+        <p:cNvPr id="1" name=""/>
+        <p:cNvGrpSpPr/>
+        <p:nvPr/>
+      </p:nvGrpSpPr>
+      <p:grpSpPr>
+        <a:xfrm>
+          <a:off x="0" y="0"/>
+          <a:ext cx="0" cy="0"/>
+          <a:chOff x="0" y="0"/>
+          <a:chExt cx="0" cy="0"/>
+        </a:xfrm>
+      </p:grpSpPr>
+      <p:sp>
+        <p:nvSpPr>
+          <p:cNvPr id="2" name="Title 1"/>
+          <p:cNvSpPr>
+            <a:spLocks noGrp="1"/>
+          </p:cNvSpPr>
+          <p:nvPr>
+            <p:ph type="title"/>
+          </p:nvPr>
+        </p:nvSpPr>
+        <p:spPr/>
+        <p:txBody>
+          <a:bodyPr/>
+          <a:lstStyle/>
+          <a:p>
+            <a:r>
+              <a:rPr lang="en-US" dirty="0"/>
+              <a:t>Containers and OS level Virtualization</a:t>
+            </a:r>
+            <a:endParaRPr lang="en-GB" dirty="0"/>
+          </a:p>
+        </p:txBody>
+      </p:sp>
+      <p:pic>
+        <p:nvPicPr>
+          <p:cNvPr id="4" name="Picture 3"/>
+          <p:cNvPicPr>
+            <a:picLocks noChangeAspect="1"/>
+          </p:cNvPicPr>
+          <p:nvPr/>
+        </p:nvPicPr>
+        <p:blipFill>
+          <a:blip r:embed="rId2"/>
+          <a:stretch>
+            <a:fillRect/>
+          </a:stretch>
+        </p:blipFill>
+        <p:spPr>
+          <a:xfrm>
+            <a:off x="2260116" y="1853248"/>
+            <a:ext cx="6176712" cy="4654489"/>
+          </a:xfrm>
+          <a:prstGeom prst="rect">
+            <a:avLst/>
+          </a:prstGeom>
+        </p:spPr>
+      </p:pic>
+    </p:spTree>
+    <p:extLst>
+      <p:ext uri="{BB962C8B-B14F-4D97-AF65-F5344CB8AC3E}">
+        <p14:creationId xmlns:p14="http://schemas.microsoft.com/office/powerpoint/2010/main" val="234463846"/>
+      </p:ext>
+    </p:extLst>
+  </p:cSld>
+  <p:clrMapOvr>
+    <a:masterClrMapping/>
+  </p:clrMapOvr>
+</p:sld>
+</file>
+
+<file path=ppt/slides/slide46.xml><?xml version="1.0" encoding="utf-8"?>
+<p:sld xmlns:a="http://schemas.openxmlformats.org/drawingml/2006/main" xmlns:r="http://schemas.openxmlformats.org/officeDocument/2006/relationships" xmlns:p="http://schemas.openxmlformats.org/presentationml/2006/main">
+  <p:cSld>
+    <p:spTree>
+      <p:nvGrpSpPr>
+        <p:cNvPr id="1" name=""/>
+        <p:cNvGrpSpPr/>
+        <p:nvPr/>
+      </p:nvGrpSpPr>
+      <p:grpSpPr>
+        <a:xfrm>
+          <a:off x="0" y="0"/>
+          <a:ext cx="0" cy="0"/>
+          <a:chOff x="0" y="0"/>
+          <a:chExt cx="0" cy="0"/>
+        </a:xfrm>
+      </p:grpSpPr>
+      <p:sp>
+        <p:nvSpPr>
+          <p:cNvPr id="2" name="Title 1"/>
+          <p:cNvSpPr>
+            <a:spLocks noGrp="1"/>
+          </p:cNvSpPr>
+          <p:nvPr>
+            <p:ph type="title"/>
+          </p:nvPr>
+        </p:nvSpPr>
+        <p:spPr/>
+        <p:txBody>
+          <a:bodyPr/>
+          <a:lstStyle/>
+          <a:p>
+            <a:r>
+              <a:rPr lang="en-US" dirty="0"/>
+              <a:t>Containers and OS level Virtualization</a:t>
+            </a:r>
+            <a:endParaRPr lang="en-GB" dirty="0"/>
+          </a:p>
+        </p:txBody>
+      </p:sp>
+      <p:sp>
+        <p:nvSpPr>
+          <p:cNvPr id="3" name="Content Placeholder 2"/>
+          <p:cNvSpPr>
+            <a:spLocks noGrp="1"/>
+          </p:cNvSpPr>
+          <p:nvPr>
+            <p:ph idx="1"/>
+          </p:nvPr>
+        </p:nvSpPr>
+        <p:spPr/>
+        <p:txBody>
+          <a:bodyPr>
+            <a:normAutofit fontScale="85000" lnSpcReduction="20000"/>
+          </a:bodyPr>
+          <a:lstStyle/>
+          <a:p>
+            <a:r>
+              <a:rPr lang="en-US" dirty="0"/>
+              <a:t>OS Level Virtualization was originally implemented in 1982 with </a:t>
+            </a:r>
+            <a:r>
+              <a:rPr lang="en-US" dirty="0" err="1"/>
+              <a:t>unix’s</a:t>
+            </a:r>
+            <a:r>
+              <a:rPr lang="en-US" dirty="0"/>
+              <a:t> </a:t>
+            </a:r>
+            <a:r>
+              <a:rPr lang="en-US" dirty="0" err="1"/>
+              <a:t>chroot</a:t>
+            </a:r>
+            <a:r>
+              <a:rPr lang="en-US" dirty="0"/>
+              <a:t> program. While without the plentiful features of current offerings, </a:t>
+            </a:r>
+            <a:r>
+              <a:rPr lang="en-US" dirty="0" err="1"/>
+              <a:t>chroot</a:t>
+            </a:r>
+            <a:r>
+              <a:rPr lang="en-US" dirty="0"/>
+              <a:t> was still powerful, and influenced containerization in the times to come. Nowadays </a:t>
+            </a:r>
+            <a:r>
+              <a:rPr lang="en-US" dirty="0" err="1"/>
+              <a:t>docker</a:t>
+            </a:r>
+            <a:r>
+              <a:rPr lang="en-US" dirty="0"/>
+              <a:t> dominates the containerization market, although it uses Linux Containers as a backend, a feature available since 2008.</a:t>
+            </a:r>
+          </a:p>
+          <a:p>
+            <a:r>
+              <a:rPr lang="en-US" dirty="0"/>
+              <a:t>In Linux, OS level virtualization a single kernel instance runs, with multiple so called ‘User Spaces’ on top. This means that no virtualization in the regular sense is ever used, as the hardware is just shared rather than simulated. Containers allow for increased security, as even with hundreds of instances on top of a kernel, no instance is able to interact with another, or even aware of other instances. Containers also allow limiting resource use on a per instance basis, limiting CPU time or RAM </a:t>
+            </a:r>
+            <a:r>
+              <a:rPr lang="en-US" dirty="0" smtClean="0"/>
+              <a:t>usage</a:t>
+            </a:r>
+            <a:endParaRPr lang="en-US" dirty="0"/>
+          </a:p>
+          <a:p>
+            <a:r>
+              <a:rPr lang="en-US" dirty="0"/>
+              <a:t>Containers change networking massively. While new features such as compartmentalization of networking components like server processes changes the way security is handled, new problems are also faced. With what was once a single machine now making drastically more network requests, infrastructure may need to be redesigned</a:t>
+            </a:r>
+            <a:endParaRPr lang="en-GB" dirty="0"/>
+          </a:p>
+        </p:txBody>
+      </p:sp>
+    </p:spTree>
+    <p:extLst>
+      <p:ext uri="{BB962C8B-B14F-4D97-AF65-F5344CB8AC3E}">
+        <p14:creationId xmlns:p14="http://schemas.microsoft.com/office/powerpoint/2010/main" val="1675243879"/>
+      </p:ext>
+    </p:extLst>
+  </p:cSld>
+  <p:clrMapOvr>
+    <a:masterClrMapping/>
+  </p:clrMapOvr>
+</p:sld>
+</file>
+
+<file path=ppt/slides/slide47.xml><?xml version="1.0" encoding="utf-8"?>
+<p:sld xmlns:a="http://schemas.openxmlformats.org/drawingml/2006/main" xmlns:r="http://schemas.openxmlformats.org/officeDocument/2006/relationships" xmlns:p="http://schemas.openxmlformats.org/presentationml/2006/main">
+  <p:cSld>
+    <p:spTree>
+      <p:nvGrpSpPr>
+        <p:cNvPr id="1" name=""/>
+        <p:cNvGrpSpPr/>
+        <p:nvPr/>
+      </p:nvGrpSpPr>
+      <p:grpSpPr>
+        <a:xfrm>
+          <a:off x="0" y="0"/>
+          <a:ext cx="0" cy="0"/>
+          <a:chOff x="0" y="0"/>
+          <a:chExt cx="0" cy="0"/>
+        </a:xfrm>
+      </p:grpSpPr>
+      <p:sp>
+        <p:nvSpPr>
+          <p:cNvPr id="2" name="Title 1"/>
+          <p:cNvSpPr>
+            <a:spLocks noGrp="1"/>
+          </p:cNvSpPr>
+          <p:nvPr>
+            <p:ph type="title"/>
+          </p:nvPr>
+        </p:nvSpPr>
+        <p:spPr/>
+        <p:txBody>
+          <a:bodyPr/>
+          <a:lstStyle/>
+          <a:p>
+            <a:r>
+              <a:rPr lang="en-GB" dirty="0" smtClean="0"/>
+              <a:t>How it can affect a network</a:t>
+            </a:r>
+            <a:endParaRPr lang="en-GB" dirty="0"/>
+          </a:p>
+        </p:txBody>
+      </p:sp>
+      <p:sp>
+        <p:nvSpPr>
+          <p:cNvPr id="3" name="Content Placeholder 2"/>
+          <p:cNvSpPr>
+            <a:spLocks noGrp="1"/>
+          </p:cNvSpPr>
+          <p:nvPr>
+            <p:ph idx="1"/>
+          </p:nvPr>
+        </p:nvSpPr>
+        <p:spPr/>
+        <p:txBody>
+          <a:bodyPr/>
+          <a:lstStyle/>
+          <a:p>
+            <a:r>
+              <a:rPr lang="en-GB" dirty="0" smtClean="0"/>
+              <a:t>Containers are the new alternative to virtualization.</a:t>
+            </a:r>
+          </a:p>
+          <a:p>
+            <a:r>
+              <a:rPr lang="en-GB" dirty="0" smtClean="0"/>
+              <a:t>In the near future, you will be able to set up a computer with all of the popular OS’s running at the same time.</a:t>
+            </a:r>
+          </a:p>
+          <a:p>
+            <a:r>
+              <a:rPr lang="en-GB" dirty="0" smtClean="0"/>
+              <a:t>This will be great for SSH networks as users who develop for OS’s can SSH into any OS possible</a:t>
+            </a:r>
+          </a:p>
+          <a:p>
+            <a:r>
+              <a:rPr lang="en-GB" dirty="0" smtClean="0"/>
+              <a:t>For Example: if a developer is making a tool for Ubuntu, he can sit at home and SSH into an Ubuntu OS on a network without having to install the OS on his machine. This saves time, space and computational resources.</a:t>
+            </a:r>
+            <a:endParaRPr lang="en-GB" dirty="0"/>
+          </a:p>
+        </p:txBody>
+      </p:sp>
+    </p:spTree>
+    <p:extLst>
+      <p:ext uri="{BB962C8B-B14F-4D97-AF65-F5344CB8AC3E}">
+        <p14:creationId xmlns:p14="http://schemas.microsoft.com/office/powerpoint/2010/main" val="2444793438"/>
+      </p:ext>
+    </p:extLst>
+  </p:cSld>
+  <p:clrMapOvr>
+    <a:masterClrMapping/>
+  </p:clrMapOvr>
+</p:sld>
+</file>
+
+<file path=ppt/slides/slide48.xml><?xml version="1.0" encoding="utf-8"?>
 <p:sld xmlns:a="http://schemas.openxmlformats.org/drawingml/2006/main" xmlns:r="http://schemas.openxmlformats.org/officeDocument/2006/relationships" xmlns:p="http://schemas.openxmlformats.org/presentationml/2006/main">
   <p:cSld>
     <p:spTree>
